--- a/FidLin_Presentation2.2.pptx
+++ b/FidLin_Presentation2.2.pptx
@@ -2,29 +2,28 @@
 <file path=ppt/presentation.xml><?xml version="1.0" encoding="utf-8"?>
 <p:presentation xmlns:a="http://schemas.openxmlformats.org/drawingml/2006/main" xmlns:r="http://schemas.openxmlformats.org/officeDocument/2006/relationships" xmlns:p="http://schemas.openxmlformats.org/presentationml/2006/main">
   <p:sldMasterIdLst>
-    <p:sldMasterId id="2147483648" r:id="rId5"/>
+    <p:sldMasterId id="2147483648" r:id="rId1"/>
   </p:sldMasterIdLst>
   <p:notesMasterIdLst>
-    <p:notesMasterId r:id="rId7"/>
+    <p:notesMasterId r:id="rId18"/>
   </p:notesMasterIdLst>
   <p:sldIdLst>
-    <p:sldId id="256" r:id="rId8"/>
-    <p:sldId id="257" r:id="rId9"/>
-    <p:sldId id="258" r:id="rId10"/>
-    <p:sldId id="259" r:id="rId11"/>
-    <p:sldId id="260" r:id="rId12"/>
-    <p:sldId id="261" r:id="rId13"/>
-    <p:sldId id="262" r:id="rId14"/>
-    <p:sldId id="263" r:id="rId15"/>
-    <p:sldId id="264" r:id="rId16"/>
-    <p:sldId id="265" r:id="rId17"/>
-    <p:sldId id="266" r:id="rId18"/>
-    <p:sldId id="267" r:id="rId19"/>
-    <p:sldId id="268" r:id="rId20"/>
-    <p:sldId id="269" r:id="rId21"/>
-    <p:sldId id="270" r:id="rId22"/>
-    <p:sldId id="271" r:id="rId23"/>
-    <p:sldId id="272" r:id="rId24"/>
+    <p:sldId id="256" r:id="rId2"/>
+    <p:sldId id="257" r:id="rId3"/>
+    <p:sldId id="259" r:id="rId4"/>
+    <p:sldId id="260" r:id="rId5"/>
+    <p:sldId id="261" r:id="rId6"/>
+    <p:sldId id="262" r:id="rId7"/>
+    <p:sldId id="263" r:id="rId8"/>
+    <p:sldId id="264" r:id="rId9"/>
+    <p:sldId id="265" r:id="rId10"/>
+    <p:sldId id="266" r:id="rId11"/>
+    <p:sldId id="267" r:id="rId12"/>
+    <p:sldId id="268" r:id="rId13"/>
+    <p:sldId id="269" r:id="rId14"/>
+    <p:sldId id="270" r:id="rId15"/>
+    <p:sldId id="271" r:id="rId16"/>
+    <p:sldId id="272" r:id="rId17"/>
   </p:sldIdLst>
   <p:sldSz cx="12192000" cy="6858000"/>
   <p:notesSz cx="6858000" cy="9144000"/>
@@ -44,7 +43,7 @@
       <a:buFontTx/>
       <a:buNone/>
       <a:tabLst/>
-      <a:defRPr b="0" baseline="0" cap="none" i="0" spc="0" strike="noStrike" sz="1800" u="none" kumimoji="0" normalizeH="0">
+      <a:defRPr kumimoji="0" sz="1800" b="0" i="0" u="none" strike="noStrike" cap="none" spc="0" normalizeH="0" baseline="0">
         <a:ln>
           <a:noFill/>
         </a:ln>
@@ -70,7 +69,7 @@
       <a:buFontTx/>
       <a:buNone/>
       <a:tabLst/>
-      <a:defRPr b="0" baseline="0" cap="none" i="0" spc="0" strike="noStrike" sz="1400" u="none" kumimoji="0" normalizeH="0">
+      <a:defRPr kumimoji="0" sz="1400" b="0" i="0" u="none" strike="noStrike" cap="none" spc="0" normalizeH="0" baseline="0">
         <a:ln>
           <a:noFill/>
         </a:ln>
@@ -100,7 +99,7 @@
       <a:buFontTx/>
       <a:buNone/>
       <a:tabLst/>
-      <a:defRPr b="0" baseline="0" cap="none" i="0" spc="0" strike="noStrike" sz="1400" u="none" kumimoji="0" normalizeH="0">
+      <a:defRPr kumimoji="0" sz="1400" b="0" i="0" u="none" strike="noStrike" cap="none" spc="0" normalizeH="0" baseline="0">
         <a:ln>
           <a:noFill/>
         </a:ln>
@@ -130,7 +129,7 @@
       <a:buFontTx/>
       <a:buNone/>
       <a:tabLst/>
-      <a:defRPr b="0" baseline="0" cap="none" i="0" spc="0" strike="noStrike" sz="1400" u="none" kumimoji="0" normalizeH="0">
+      <a:defRPr kumimoji="0" sz="1400" b="0" i="0" u="none" strike="noStrike" cap="none" spc="0" normalizeH="0" baseline="0">
         <a:ln>
           <a:noFill/>
         </a:ln>
@@ -160,7 +159,7 @@
       <a:buFontTx/>
       <a:buNone/>
       <a:tabLst/>
-      <a:defRPr b="0" baseline="0" cap="none" i="0" spc="0" strike="noStrike" sz="1400" u="none" kumimoji="0" normalizeH="0">
+      <a:defRPr kumimoji="0" sz="1400" b="0" i="0" u="none" strike="noStrike" cap="none" spc="0" normalizeH="0" baseline="0">
         <a:ln>
           <a:noFill/>
         </a:ln>
@@ -190,7 +189,7 @@
       <a:buFontTx/>
       <a:buNone/>
       <a:tabLst/>
-      <a:defRPr b="0" baseline="0" cap="none" i="0" spc="0" strike="noStrike" sz="1400" u="none" kumimoji="0" normalizeH="0">
+      <a:defRPr kumimoji="0" sz="1400" b="0" i="0" u="none" strike="noStrike" cap="none" spc="0" normalizeH="0" baseline="0">
         <a:ln>
           <a:noFill/>
         </a:ln>
@@ -220,7 +219,7 @@
       <a:buFontTx/>
       <a:buNone/>
       <a:tabLst/>
-      <a:defRPr b="0" baseline="0" cap="none" i="0" spc="0" strike="noStrike" sz="1400" u="none" kumimoji="0" normalizeH="0">
+      <a:defRPr kumimoji="0" sz="1400" b="0" i="0" u="none" strike="noStrike" cap="none" spc="0" normalizeH="0" baseline="0">
         <a:ln>
           <a:noFill/>
         </a:ln>
@@ -250,7 +249,7 @@
       <a:buFontTx/>
       <a:buNone/>
       <a:tabLst/>
-      <a:defRPr b="0" baseline="0" cap="none" i="0" spc="0" strike="noStrike" sz="1400" u="none" kumimoji="0" normalizeH="0">
+      <a:defRPr kumimoji="0" sz="1400" b="0" i="0" u="none" strike="noStrike" cap="none" spc="0" normalizeH="0" baseline="0">
         <a:ln>
           <a:noFill/>
         </a:ln>
@@ -280,7 +279,7 @@
       <a:buFontTx/>
       <a:buNone/>
       <a:tabLst/>
-      <a:defRPr b="0" baseline="0" cap="none" i="0" spc="0" strike="noStrike" sz="1400" u="none" kumimoji="0" normalizeH="0">
+      <a:defRPr kumimoji="0" sz="1400" b="0" i="0" u="none" strike="noStrike" cap="none" spc="0" normalizeH="0" baseline="0">
         <a:ln>
           <a:noFill/>
         </a:ln>
@@ -310,7 +309,7 @@
       <a:buFontTx/>
       <a:buNone/>
       <a:tabLst/>
-      <a:defRPr b="0" baseline="0" cap="none" i="0" spc="0" strike="noStrike" sz="1400" u="none" kumimoji="0" normalizeH="0">
+      <a:defRPr kumimoji="0" sz="1400" b="0" i="0" u="none" strike="noStrike" cap="none" spc="0" normalizeH="0" baseline="0">
         <a:ln>
           <a:noFill/>
         </a:ln>
@@ -326,16 +325,22 @@
       </a:defRPr>
     </a:lvl9pPr>
   </p:defaultTextStyle>
+  <p:extLst>
+    <p:ext uri="{EFAFB233-063F-42B5-8137-9DF3F51BA10A}">
+      <p15:sldGuideLst xmlns:p15="http://schemas.microsoft.com/office/powerpoint/2012/main"/>
+    </p:ext>
+  </p:extLst>
 </p:presentation>
-</file>
-
-<file path=ppt/commentAuthors.xml><?xml version="1.0" encoding="utf-8"?>
-<p:cmAuthorLst xmlns:a="http://schemas.openxmlformats.org/drawingml/2006/main" xmlns:r="http://schemas.openxmlformats.org/officeDocument/2006/relationships" xmlns:p="http://schemas.openxmlformats.org/presentationml/2006/main"/>
 </file>
 
 <file path=ppt/notesMasters/notesMaster1.xml><?xml version="1.0" encoding="utf-8"?>
 <p:notesMaster xmlns:a="http://schemas.openxmlformats.org/drawingml/2006/main" xmlns:r="http://schemas.openxmlformats.org/officeDocument/2006/relationships" xmlns:p="http://schemas.openxmlformats.org/presentationml/2006/main">
   <p:cSld>
+    <p:bg>
+      <p:bgRef idx="1001">
+        <a:schemeClr val="bg1"/>
+      </p:bgRef>
+    </p:bg>
     <p:spTree>
       <p:nvGrpSpPr>
         <p:cNvPr id="1" name=""/>
@@ -353,7 +358,9 @@
       <p:sp>
         <p:nvSpPr>
           <p:cNvPr id="19" name="Shape 19"/>
-          <p:cNvSpPr/>
+          <p:cNvSpPr>
+            <a:spLocks noGrp="1" noRot="1" noChangeAspect="1"/>
+          </p:cNvSpPr>
           <p:nvPr>
             <p:ph type="sldImg"/>
           </p:nvPr>
@@ -371,14 +378,16 @@
           <a:bodyPr/>
           <a:lstStyle/>
           <a:p>
-            <a:pPr/>
+            <a:endParaRPr/>
           </a:p>
         </p:txBody>
       </p:sp>
       <p:sp>
         <p:nvSpPr>
           <p:cNvPr id="20" name="Shape 20"/>
-          <p:cNvSpPr/>
+          <p:cNvSpPr>
+            <a:spLocks noGrp="1"/>
+          </p:cNvSpPr>
           <p:nvPr>
             <p:ph type="body" sz="quarter" idx="1"/>
           </p:nvPr>
@@ -396,7 +405,7 @@
           <a:bodyPr/>
           <a:lstStyle/>
           <a:p>
-            <a:pPr/>
+            <a:endParaRPr/>
           </a:p>
         </p:txBody>
       </p:sp>
@@ -481,7 +490,7 @@
 </file>
 
 <file path=ppt/notesSlides/notesSlide1.xml><?xml version="1.0" encoding="utf-8"?>
-<p:notes xmlns:a="http://schemas.openxmlformats.org/drawingml/2006/main" xmlns:r="http://schemas.openxmlformats.org/officeDocument/2006/relationships" xmlns:p="http://schemas.openxmlformats.org/presentationml/2006/main" showMasterSp="1" showMasterPhAnim="1">
+<p:notes xmlns:a="http://schemas.openxmlformats.org/drawingml/2006/main" xmlns:r="http://schemas.openxmlformats.org/officeDocument/2006/relationships" xmlns:p="http://schemas.openxmlformats.org/presentationml/2006/main">
   <p:cSld>
     <p:spTree>
       <p:nvGrpSpPr>
@@ -500,12 +509,18 @@
       <p:sp>
         <p:nvSpPr>
           <p:cNvPr id="24" name="Shape 24"/>
-          <p:cNvSpPr/>
+          <p:cNvSpPr>
+            <a:spLocks noGrp="1" noRot="1" noChangeAspect="1"/>
+          </p:cNvSpPr>
           <p:nvPr>
             <p:ph type="sldImg"/>
           </p:nvPr>
         </p:nvSpPr>
         <p:spPr>
+          <a:xfrm>
+            <a:off x="381000" y="685800"/>
+            <a:ext cx="6096000" cy="3429000"/>
+          </a:xfrm>
           <a:prstGeom prst="rect">
             <a:avLst/>
           </a:prstGeom>
@@ -514,14 +529,16 @@
           <a:bodyPr/>
           <a:lstStyle/>
           <a:p>
-            <a:pPr/>
+            <a:endParaRPr/>
           </a:p>
         </p:txBody>
       </p:sp>
       <p:sp>
         <p:nvSpPr>
           <p:cNvPr id="25" name="Shape 25"/>
-          <p:cNvSpPr/>
+          <p:cNvSpPr>
+            <a:spLocks noGrp="1"/>
+          </p:cNvSpPr>
           <p:nvPr>
             <p:ph type="body" sz="quarter" idx="1"/>
           </p:nvPr>
@@ -535,7 +552,6 @@
           <a:bodyPr/>
           <a:lstStyle/>
           <a:p>
-            <a:pPr/>
             <a:r>
               <a:t>We are team 2, our project is the app that assists a player who wishes to play the fiddle or violin.</a:t>
             </a:r>
@@ -551,7 +567,7 @@
 </file>
 
 <file path=ppt/slideLayouts/slideLayout1.xml><?xml version="1.0" encoding="utf-8"?>
-<p:sldLayout xmlns:a="http://schemas.openxmlformats.org/drawingml/2006/main" xmlns:r="http://schemas.openxmlformats.org/officeDocument/2006/relationships" xmlns:p="http://schemas.openxmlformats.org/presentationml/2006/main" type="title" showMasterSp="1" showMasterPhAnim="1">
+<p:sldLayout xmlns:a="http://schemas.openxmlformats.org/drawingml/2006/main" xmlns:r="http://schemas.openxmlformats.org/officeDocument/2006/relationships" xmlns:p="http://schemas.openxmlformats.org/presentationml/2006/main" type="title">
   <p:cSld name="TITLE_AND_BODY">
     <p:spTree>
       <p:nvGrpSpPr>
@@ -570,7 +586,9 @@
       <p:sp>
         <p:nvSpPr>
           <p:cNvPr id="11" name="Title Text"/>
-          <p:cNvSpPr txBox="1"/>
+          <p:cNvSpPr txBox="1">
+            <a:spLocks noGrp="1"/>
+          </p:cNvSpPr>
           <p:nvPr>
             <p:ph type="title"/>
           </p:nvPr>
@@ -584,7 +602,6 @@
           <a:bodyPr/>
           <a:lstStyle/>
           <a:p>
-            <a:pPr/>
             <a:r>
               <a:t>Title Text</a:t>
             </a:r>
@@ -594,7 +611,9 @@
       <p:sp>
         <p:nvSpPr>
           <p:cNvPr id="12" name="Body Level One…"/>
-          <p:cNvSpPr txBox="1"/>
+          <p:cNvSpPr txBox="1">
+            <a:spLocks noGrp="1"/>
+          </p:cNvSpPr>
           <p:nvPr>
             <p:ph type="body" sz="half" idx="1"/>
           </p:nvPr>
@@ -608,7 +627,6 @@
           <a:bodyPr/>
           <a:lstStyle/>
           <a:p>
-            <a:pPr/>
             <a:r>
               <a:t>Body Level One</a:t>
             </a:r>
@@ -642,7 +660,9 @@
       <p:sp>
         <p:nvSpPr>
           <p:cNvPr id="13" name="Slide Number"/>
-          <p:cNvSpPr txBox="1"/>
+          <p:cNvSpPr txBox="1">
+            <a:spLocks noGrp="1"/>
+          </p:cNvSpPr>
           <p:nvPr>
             <p:ph type="sldNum" sz="quarter" idx="2"/>
           </p:nvPr>
@@ -656,8 +676,10 @@
           <a:bodyPr/>
           <a:lstStyle/>
           <a:p>
-            <a:pPr/>
-            <a:fld id="{86CB4B4D-7CA3-9044-876B-883B54F8677D}" type="slidenum"/>
+            <a:fld id="{86CB4B4D-7CA3-9044-876B-883B54F8677D}" type="slidenum">
+              <a:t>‹#›</a:t>
+            </a:fld>
+            <a:endParaRPr/>
           </a:p>
         </p:txBody>
       </p:sp>
@@ -666,7 +688,7 @@
   <p:clrMapOvr>
     <a:masterClrMapping/>
   </p:clrMapOvr>
-  <p:transition xmlns:p14="http://schemas.microsoft.com/office/powerpoint/2010/main" spd="med" advClick="1"/>
+  <p:transition spd="med"/>
 </p:sldLayout>
 </file>
 
@@ -678,6 +700,7 @@
         <a:solidFill>
           <a:srgbClr val="619DD1"/>
         </a:solidFill>
+        <a:effectLst/>
       </p:bgPr>
     </p:bg>
     <p:spTree>
@@ -697,7 +720,9 @@
       <p:sp>
         <p:nvSpPr>
           <p:cNvPr id="2" name="Title Text"/>
-          <p:cNvSpPr txBox="1"/>
+          <p:cNvSpPr txBox="1">
+            <a:spLocks noGrp="1"/>
+          </p:cNvSpPr>
           <p:nvPr>
             <p:ph type="title"/>
           </p:nvPr>
@@ -723,17 +748,16 @@
           </a:ln>
           <a:extLst>
             <a:ext uri="{C572A759-6A51-4108-AA02-DFA0A04FC94B}">
-              <ma14:wrappingTextBoxFlag xmlns:ma14="http://schemas.microsoft.com/office/mac/drawingml/2011/main" val="1"/>
+              <ma14:wrappingTextBoxFlag xmlns="" xmlns:ma14="http://schemas.microsoft.com/office/mac/drawingml/2011/main" val="1"/>
             </a:ext>
           </a:extLst>
         </p:spPr>
         <p:txBody>
           <a:bodyPr lIns="177800" tIns="177800" rIns="177800" bIns="177800" anchor="ctr">
-            <a:normAutofit fontScale="100000" lnSpcReduction="0"/>
+            <a:normAutofit/>
           </a:bodyPr>
           <a:lstStyle/>
           <a:p>
-            <a:pPr/>
             <a:r>
               <a:t>Title Text</a:t>
             </a:r>
@@ -743,7 +767,9 @@
       <p:sp>
         <p:nvSpPr>
           <p:cNvPr id="3" name="Body Level One…"/>
-          <p:cNvSpPr txBox="1"/>
+          <p:cNvSpPr txBox="1">
+            <a:spLocks noGrp="1"/>
+          </p:cNvSpPr>
           <p:nvPr>
             <p:ph type="body" idx="1"/>
           </p:nvPr>
@@ -761,17 +787,16 @@
           </a:ln>
           <a:extLst>
             <a:ext uri="{C572A759-6A51-4108-AA02-DFA0A04FC94B}">
-              <ma14:wrappingTextBoxFlag xmlns:ma14="http://schemas.microsoft.com/office/mac/drawingml/2011/main" val="1"/>
+              <ma14:wrappingTextBoxFlag xmlns="" xmlns:ma14="http://schemas.microsoft.com/office/mac/drawingml/2011/main" val="1"/>
             </a:ext>
           </a:extLst>
         </p:spPr>
         <p:txBody>
           <a:bodyPr lIns="38100" tIns="38100" rIns="38100" bIns="38100">
-            <a:normAutofit fontScale="100000" lnSpcReduction="0"/>
+            <a:normAutofit/>
           </a:bodyPr>
           <a:lstStyle/>
           <a:p>
-            <a:pPr/>
             <a:r>
               <a:t>Body Level One</a:t>
             </a:r>
@@ -805,7 +830,9 @@
       <p:sp>
         <p:nvSpPr>
           <p:cNvPr id="4" name="Slide Number"/>
-          <p:cNvSpPr txBox="1"/>
+          <p:cNvSpPr txBox="1">
+            <a:spLocks noGrp="1"/>
+          </p:cNvSpPr>
           <p:nvPr>
             <p:ph type="sldNum" sz="quarter" idx="2"/>
           </p:nvPr>
@@ -847,8 +874,10 @@
             </a:lvl1pPr>
           </a:lstStyle>
           <a:p>
-            <a:pPr/>
-            <a:fld id="{86CB4B4D-7CA3-9044-876B-883B54F8677D}" type="slidenum"/>
+            <a:fld id="{86CB4B4D-7CA3-9044-876B-883B54F8677D}" type="slidenum">
+              <a:t>‹#›</a:t>
+            </a:fld>
+            <a:endParaRPr/>
           </a:p>
         </p:txBody>
       </p:sp>
@@ -856,9 +885,9 @@
   </p:cSld>
   <p:clrMap bg1="lt1" tx1="dk1" bg2="lt2" tx2="dk2" accent1="accent1" accent2="accent2" accent3="accent3" accent4="accent4" accent5="accent5" accent6="accent6" hlink="hlink" folHlink="folHlink"/>
   <p:sldLayoutIdLst>
-    <p:sldLayoutId id="2147483649" r:id="rId2"/>
+    <p:sldLayoutId id="2147483649" r:id="rId1"/>
   </p:sldLayoutIdLst>
-  <p:transition xmlns:p14="http://schemas.microsoft.com/office/powerpoint/2010/main" spd="med" advClick="1"/>
+  <p:transition spd="med"/>
   <p:txStyles>
     <p:titleStyle>
       <a:lvl1pPr marL="0" marR="0" indent="0" algn="ctr" defTabSz="914400" rtl="0" latinLnBrk="0">
@@ -876,7 +905,7 @@
         <a:buFontTx/>
         <a:buNone/>
         <a:tabLst/>
-        <a:defRPr b="0" baseline="0" cap="none" i="0" spc="0" strike="noStrike" sz="3800" u="none">
+        <a:defRPr sz="3800" b="0" i="0" u="none" strike="noStrike" cap="none" spc="0" baseline="0">
           <a:ln>
             <a:noFill/>
           </a:ln>
@@ -905,7 +934,7 @@
         <a:buFontTx/>
         <a:buNone/>
         <a:tabLst/>
-        <a:defRPr b="0" baseline="0" cap="none" i="0" spc="0" strike="noStrike" sz="3800" u="none">
+        <a:defRPr sz="3800" b="0" i="0" u="none" strike="noStrike" cap="none" spc="0" baseline="0">
           <a:ln>
             <a:noFill/>
           </a:ln>
@@ -934,7 +963,7 @@
         <a:buFontTx/>
         <a:buNone/>
         <a:tabLst/>
-        <a:defRPr b="0" baseline="0" cap="none" i="0" spc="0" strike="noStrike" sz="3800" u="none">
+        <a:defRPr sz="3800" b="0" i="0" u="none" strike="noStrike" cap="none" spc="0" baseline="0">
           <a:ln>
             <a:noFill/>
           </a:ln>
@@ -963,7 +992,7 @@
         <a:buFontTx/>
         <a:buNone/>
         <a:tabLst/>
-        <a:defRPr b="0" baseline="0" cap="none" i="0" spc="0" strike="noStrike" sz="3800" u="none">
+        <a:defRPr sz="3800" b="0" i="0" u="none" strike="noStrike" cap="none" spc="0" baseline="0">
           <a:ln>
             <a:noFill/>
           </a:ln>
@@ -992,7 +1021,7 @@
         <a:buFontTx/>
         <a:buNone/>
         <a:tabLst/>
-        <a:defRPr b="0" baseline="0" cap="none" i="0" spc="0" strike="noStrike" sz="3800" u="none">
+        <a:defRPr sz="3800" b="0" i="0" u="none" strike="noStrike" cap="none" spc="0" baseline="0">
           <a:ln>
             <a:noFill/>
           </a:ln>
@@ -1021,7 +1050,7 @@
         <a:buFontTx/>
         <a:buNone/>
         <a:tabLst/>
-        <a:defRPr b="0" baseline="0" cap="none" i="0" spc="0" strike="noStrike" sz="3800" u="none">
+        <a:defRPr sz="3800" b="0" i="0" u="none" strike="noStrike" cap="none" spc="0" baseline="0">
           <a:ln>
             <a:noFill/>
           </a:ln>
@@ -1050,7 +1079,7 @@
         <a:buFontTx/>
         <a:buNone/>
         <a:tabLst/>
-        <a:defRPr b="0" baseline="0" cap="none" i="0" spc="0" strike="noStrike" sz="3800" u="none">
+        <a:defRPr sz="3800" b="0" i="0" u="none" strike="noStrike" cap="none" spc="0" baseline="0">
           <a:ln>
             <a:noFill/>
           </a:ln>
@@ -1079,7 +1108,7 @@
         <a:buFontTx/>
         <a:buNone/>
         <a:tabLst/>
-        <a:defRPr b="0" baseline="0" cap="none" i="0" spc="0" strike="noStrike" sz="3800" u="none">
+        <a:defRPr sz="3800" b="0" i="0" u="none" strike="noStrike" cap="none" spc="0" baseline="0">
           <a:ln>
             <a:noFill/>
           </a:ln>
@@ -1108,7 +1137,7 @@
         <a:buFontTx/>
         <a:buNone/>
         <a:tabLst/>
-        <a:defRPr b="0" baseline="0" cap="none" i="0" spc="0" strike="noStrike" sz="3800" u="none">
+        <a:defRPr sz="3800" b="0" i="0" u="none" strike="noStrike" cap="none" spc="0" baseline="0">
           <a:ln>
             <a:noFill/>
           </a:ln>
@@ -1139,7 +1168,7 @@
         <a:buFontTx/>
         <a:buNone/>
         <a:tabLst/>
-        <a:defRPr b="0" baseline="0" cap="none" i="0" spc="0" strike="noStrike" sz="2000" u="none">
+        <a:defRPr sz="2000" b="0" i="0" u="none" strike="noStrike" cap="none" spc="0" baseline="0">
           <a:ln>
             <a:noFill/>
           </a:ln>
@@ -1168,7 +1197,7 @@
         <a:buFontTx/>
         <a:buNone/>
         <a:tabLst/>
-        <a:defRPr b="0" baseline="0" cap="none" i="0" spc="0" strike="noStrike" sz="2000" u="none">
+        <a:defRPr sz="2000" b="0" i="0" u="none" strike="noStrike" cap="none" spc="0" baseline="0">
           <a:ln>
             <a:noFill/>
           </a:ln>
@@ -1197,7 +1226,7 @@
         <a:buFontTx/>
         <a:buNone/>
         <a:tabLst/>
-        <a:defRPr b="0" baseline="0" cap="none" i="0" spc="0" strike="noStrike" sz="2000" u="none">
+        <a:defRPr sz="2000" b="0" i="0" u="none" strike="noStrike" cap="none" spc="0" baseline="0">
           <a:ln>
             <a:noFill/>
           </a:ln>
@@ -1226,7 +1255,7 @@
         <a:buFontTx/>
         <a:buNone/>
         <a:tabLst/>
-        <a:defRPr b="0" baseline="0" cap="none" i="0" spc="0" strike="noStrike" sz="2000" u="none">
+        <a:defRPr sz="2000" b="0" i="0" u="none" strike="noStrike" cap="none" spc="0" baseline="0">
           <a:ln>
             <a:noFill/>
           </a:ln>
@@ -1255,7 +1284,7 @@
         <a:buFontTx/>
         <a:buNone/>
         <a:tabLst/>
-        <a:defRPr b="0" baseline="0" cap="none" i="0" spc="0" strike="noStrike" sz="2000" u="none">
+        <a:defRPr sz="2000" b="0" i="0" u="none" strike="noStrike" cap="none" spc="0" baseline="0">
           <a:ln>
             <a:noFill/>
           </a:ln>
@@ -1284,7 +1313,7 @@
         <a:buFontTx/>
         <a:buNone/>
         <a:tabLst/>
-        <a:defRPr b="0" baseline="0" cap="none" i="0" spc="0" strike="noStrike" sz="2000" u="none">
+        <a:defRPr sz="2000" b="0" i="0" u="none" strike="noStrike" cap="none" spc="0" baseline="0">
           <a:ln>
             <a:noFill/>
           </a:ln>
@@ -1313,7 +1342,7 @@
         <a:buFontTx/>
         <a:buNone/>
         <a:tabLst/>
-        <a:defRPr b="0" baseline="0" cap="none" i="0" spc="0" strike="noStrike" sz="2000" u="none">
+        <a:defRPr sz="2000" b="0" i="0" u="none" strike="noStrike" cap="none" spc="0" baseline="0">
           <a:ln>
             <a:noFill/>
           </a:ln>
@@ -1342,7 +1371,7 @@
         <a:buFontTx/>
         <a:buNone/>
         <a:tabLst/>
-        <a:defRPr b="0" baseline="0" cap="none" i="0" spc="0" strike="noStrike" sz="2000" u="none">
+        <a:defRPr sz="2000" b="0" i="0" u="none" strike="noStrike" cap="none" spc="0" baseline="0">
           <a:ln>
             <a:noFill/>
           </a:ln>
@@ -1371,7 +1400,7 @@
         <a:buFontTx/>
         <a:buNone/>
         <a:tabLst/>
-        <a:defRPr b="0" baseline="0" cap="none" i="0" spc="0" strike="noStrike" sz="2000" u="none">
+        <a:defRPr sz="2000" b="0" i="0" u="none" strike="noStrike" cap="none" spc="0" baseline="0">
           <a:ln>
             <a:noFill/>
           </a:ln>
@@ -1402,7 +1431,7 @@
         <a:buFontTx/>
         <a:buNone/>
         <a:tabLst/>
-        <a:defRPr b="0" baseline="0" cap="none" i="0" spc="0" strike="noStrike" sz="1100" u="none">
+        <a:defRPr sz="1100" b="0" i="0" u="none" strike="noStrike" cap="none" spc="0" baseline="0">
           <a:ln>
             <a:noFill/>
           </a:ln>
@@ -1431,7 +1460,7 @@
         <a:buFontTx/>
         <a:buNone/>
         <a:tabLst/>
-        <a:defRPr b="0" baseline="0" cap="none" i="0" spc="0" strike="noStrike" sz="1100" u="none">
+        <a:defRPr sz="1100" b="0" i="0" u="none" strike="noStrike" cap="none" spc="0" baseline="0">
           <a:ln>
             <a:noFill/>
           </a:ln>
@@ -1460,7 +1489,7 @@
         <a:buFontTx/>
         <a:buNone/>
         <a:tabLst/>
-        <a:defRPr b="0" baseline="0" cap="none" i="0" spc="0" strike="noStrike" sz="1100" u="none">
+        <a:defRPr sz="1100" b="0" i="0" u="none" strike="noStrike" cap="none" spc="0" baseline="0">
           <a:ln>
             <a:noFill/>
           </a:ln>
@@ -1489,7 +1518,7 @@
         <a:buFontTx/>
         <a:buNone/>
         <a:tabLst/>
-        <a:defRPr b="0" baseline="0" cap="none" i="0" spc="0" strike="noStrike" sz="1100" u="none">
+        <a:defRPr sz="1100" b="0" i="0" u="none" strike="noStrike" cap="none" spc="0" baseline="0">
           <a:ln>
             <a:noFill/>
           </a:ln>
@@ -1518,7 +1547,7 @@
         <a:buFontTx/>
         <a:buNone/>
         <a:tabLst/>
-        <a:defRPr b="0" baseline="0" cap="none" i="0" spc="0" strike="noStrike" sz="1100" u="none">
+        <a:defRPr sz="1100" b="0" i="0" u="none" strike="noStrike" cap="none" spc="0" baseline="0">
           <a:ln>
             <a:noFill/>
           </a:ln>
@@ -1547,7 +1576,7 @@
         <a:buFontTx/>
         <a:buNone/>
         <a:tabLst/>
-        <a:defRPr b="0" baseline="0" cap="none" i="0" spc="0" strike="noStrike" sz="1100" u="none">
+        <a:defRPr sz="1100" b="0" i="0" u="none" strike="noStrike" cap="none" spc="0" baseline="0">
           <a:ln>
             <a:noFill/>
           </a:ln>
@@ -1576,7 +1605,7 @@
         <a:buFontTx/>
         <a:buNone/>
         <a:tabLst/>
-        <a:defRPr b="0" baseline="0" cap="none" i="0" spc="0" strike="noStrike" sz="1100" u="none">
+        <a:defRPr sz="1100" b="0" i="0" u="none" strike="noStrike" cap="none" spc="0" baseline="0">
           <a:ln>
             <a:noFill/>
           </a:ln>
@@ -1605,7 +1634,7 @@
         <a:buFontTx/>
         <a:buNone/>
         <a:tabLst/>
-        <a:defRPr b="0" baseline="0" cap="none" i="0" spc="0" strike="noStrike" sz="1100" u="none">
+        <a:defRPr sz="1100" b="0" i="0" u="none" strike="noStrike" cap="none" spc="0" baseline="0">
           <a:ln>
             <a:noFill/>
           </a:ln>
@@ -1634,7 +1663,7 @@
         <a:buFontTx/>
         <a:buNone/>
         <a:tabLst/>
-        <a:defRPr b="0" baseline="0" cap="none" i="0" spc="0" strike="noStrike" sz="1100" u="none">
+        <a:defRPr sz="1100" b="0" i="0" u="none" strike="noStrike" cap="none" spc="0" baseline="0">
           <a:ln>
             <a:noFill/>
           </a:ln>
@@ -1654,7 +1683,7 @@
 </file>
 
 <file path=ppt/slides/slide1.xml><?xml version="1.0" encoding="utf-8"?>
-<p:sld xmlns:a="http://schemas.openxmlformats.org/drawingml/2006/main" xmlns:r="http://schemas.openxmlformats.org/officeDocument/2006/relationships" xmlns:p="http://schemas.openxmlformats.org/presentationml/2006/main" showMasterSp="1" showMasterPhAnim="1">
+<p:sld xmlns:a="http://schemas.openxmlformats.org/drawingml/2006/main" xmlns:r="http://schemas.openxmlformats.org/officeDocument/2006/relationships" xmlns:p="http://schemas.openxmlformats.org/presentationml/2006/main">
   <p:cSld>
     <p:spTree>
       <p:nvGrpSpPr>
@@ -1673,7 +1702,9 @@
       <p:sp>
         <p:nvSpPr>
           <p:cNvPr id="22" name="Google Shape;19;p3"/>
-          <p:cNvSpPr txBox="1"/>
+          <p:cNvSpPr txBox="1">
+            <a:spLocks noGrp="1"/>
+          </p:cNvSpPr>
           <p:nvPr>
             <p:ph type="ctrTitle"/>
           </p:nvPr>
@@ -1700,7 +1731,6 @@
             </a:lvl1pPr>
           </a:lstStyle>
           <a:p>
-            <a:pPr/>
             <a:r>
               <a:t>Fid’Lin to Sprint 2</a:t>
             </a:r>
@@ -1710,7 +1740,9 @@
       <p:sp>
         <p:nvSpPr>
           <p:cNvPr id="23" name="Google Shape;20;p3"/>
-          <p:cNvSpPr txBox="1"/>
+          <p:cNvSpPr txBox="1">
+            <a:spLocks noGrp="1"/>
+          </p:cNvSpPr>
           <p:nvPr>
             <p:ph type="subTitle" sz="half" idx="1"/>
           </p:nvPr>
@@ -1765,100 +1797,12 @@
   <p:clrMapOvr>
     <a:masterClrMapping/>
   </p:clrMapOvr>
-  <p:transition xmlns:p14="http://schemas.microsoft.com/office/powerpoint/2010/main" spd="med" advClick="1"/>
+  <p:transition spd="med"/>
 </p:sld>
 </file>
 
 <file path=ppt/slides/slide10.xml><?xml version="1.0" encoding="utf-8"?>
-<p:sld xmlns:a="http://schemas.openxmlformats.org/drawingml/2006/main" xmlns:r="http://schemas.openxmlformats.org/officeDocument/2006/relationships" xmlns:p="http://schemas.openxmlformats.org/presentationml/2006/main" showMasterSp="1" showMasterPhAnim="1">
-  <p:cSld>
-    <p:spTree>
-      <p:nvGrpSpPr>
-        <p:cNvPr id="1" name=""/>
-        <p:cNvGrpSpPr/>
-        <p:nvPr/>
-      </p:nvGrpSpPr>
-      <p:grpSpPr>
-        <a:xfrm>
-          <a:off x="0" y="0"/>
-          <a:ext cx="0" cy="0"/>
-          <a:chOff x="0" y="0"/>
-          <a:chExt cx="0" cy="0"/>
-        </a:xfrm>
-      </p:grpSpPr>
-      <p:sp>
-        <p:nvSpPr>
-          <p:cNvPr id="54" name="Google Shape;76;p12"/>
-          <p:cNvSpPr txBox="1"/>
-          <p:nvPr>
-            <p:ph type="ctrTitle"/>
-          </p:nvPr>
-        </p:nvSpPr>
-        <p:spPr>
-          <a:xfrm>
-            <a:off x="1600200" y="2386011"/>
-            <a:ext cx="8991600" cy="1646237"/>
-          </a:xfrm>
-          <a:prstGeom prst="rect">
-            <a:avLst/>
-          </a:prstGeom>
-          <a:ln w="9525">
-            <a:solidFill>
-              <a:srgbClr val="000000"/>
-            </a:solidFill>
-          </a:ln>
-        </p:spPr>
-        <p:txBody>
-          <a:bodyPr/>
-          <a:lstStyle/>
-          <a:p>
-            <a:pPr/>
-            <a:r>
-              <a:t>If things go right..</a:t>
-            </a:r>
-          </a:p>
-        </p:txBody>
-      </p:sp>
-      <p:sp>
-        <p:nvSpPr>
-          <p:cNvPr id="55" name="Google Shape;77;p12"/>
-          <p:cNvSpPr txBox="1"/>
-          <p:nvPr>
-            <p:ph type="subTitle" sz="half" idx="1"/>
-          </p:nvPr>
-        </p:nvSpPr>
-        <p:spPr>
-          <a:xfrm>
-            <a:off x="2693986" y="4351337"/>
-            <a:ext cx="6802437" cy="2506662"/>
-          </a:xfrm>
-          <a:prstGeom prst="rect">
-            <a:avLst/>
-          </a:prstGeom>
-        </p:spPr>
-        <p:txBody>
-          <a:bodyPr/>
-          <a:lstStyle/>
-          <a:p>
-            <a:pPr marL="0">
-              <a:spcBef>
-                <a:spcPts val="0"/>
-              </a:spcBef>
-            </a:pPr>
-          </a:p>
-        </p:txBody>
-      </p:sp>
-    </p:spTree>
-  </p:cSld>
-  <p:clrMapOvr>
-    <a:masterClrMapping/>
-  </p:clrMapOvr>
-  <p:transition xmlns:p14="http://schemas.microsoft.com/office/powerpoint/2010/main" spd="med" advClick="1"/>
-</p:sld>
-</file>
-
-<file path=ppt/slides/slide11.xml><?xml version="1.0" encoding="utf-8"?>
-<p:sld xmlns:a="http://schemas.openxmlformats.org/drawingml/2006/main" xmlns:r="http://schemas.openxmlformats.org/officeDocument/2006/relationships" xmlns:p="http://schemas.openxmlformats.org/presentationml/2006/main" showMasterSp="1" showMasterPhAnim="1">
+<p:sld xmlns:a="http://schemas.openxmlformats.org/drawingml/2006/main" xmlns:r="http://schemas.openxmlformats.org/officeDocument/2006/relationships" xmlns:p="http://schemas.openxmlformats.org/presentationml/2006/main">
   <p:cSld>
     <p:spTree>
       <p:nvGrpSpPr>
@@ -1877,7 +1821,9 @@
       <p:sp>
         <p:nvSpPr>
           <p:cNvPr id="57" name="Google Shape;82;p13"/>
-          <p:cNvSpPr txBox="1"/>
+          <p:cNvSpPr txBox="1">
+            <a:spLocks noGrp="1"/>
+          </p:cNvSpPr>
           <p:nvPr>
             <p:ph type="ctrTitle"/>
           </p:nvPr>
@@ -1900,7 +1846,6 @@
           <a:bodyPr/>
           <a:lstStyle/>
           <a:p>
-            <a:pPr/>
             <a:r>
               <a:t>Plan b</a:t>
             </a:r>
@@ -1912,12 +1857,12 @@
   <p:clrMapOvr>
     <a:masterClrMapping/>
   </p:clrMapOvr>
-  <p:transition xmlns:p14="http://schemas.microsoft.com/office/powerpoint/2010/main" spd="med" advClick="1"/>
+  <p:transition spd="med"/>
 </p:sld>
 </file>
 
-<file path=ppt/slides/slide12.xml><?xml version="1.0" encoding="utf-8"?>
-<p:sld xmlns:a="http://schemas.openxmlformats.org/drawingml/2006/main" xmlns:r="http://schemas.openxmlformats.org/officeDocument/2006/relationships" xmlns:p="http://schemas.openxmlformats.org/presentationml/2006/main" showMasterSp="1" showMasterPhAnim="1">
+<file path=ppt/slides/slide11.xml><?xml version="1.0" encoding="utf-8"?>
+<p:sld xmlns:a="http://schemas.openxmlformats.org/drawingml/2006/main" xmlns:r="http://schemas.openxmlformats.org/officeDocument/2006/relationships" xmlns:p="http://schemas.openxmlformats.org/presentationml/2006/main">
   <p:cSld>
     <p:spTree>
       <p:nvGrpSpPr>
@@ -1936,7 +1881,9 @@
       <p:sp>
         <p:nvSpPr>
           <p:cNvPr id="59" name="Google Shape;87;p14"/>
-          <p:cNvSpPr txBox="1"/>
+          <p:cNvSpPr txBox="1">
+            <a:spLocks noGrp="1"/>
+          </p:cNvSpPr>
           <p:nvPr>
             <p:ph type="ctrTitle"/>
           </p:nvPr>
@@ -1959,7 +1906,6 @@
           <a:bodyPr/>
           <a:lstStyle/>
           <a:p>
-            <a:pPr/>
             <a:r>
               <a:t>Scaling</a:t>
             </a:r>
@@ -1969,7 +1915,9 @@
       <p:sp>
         <p:nvSpPr>
           <p:cNvPr id="60" name="Google Shape;88;p14"/>
-          <p:cNvSpPr txBox="1"/>
+          <p:cNvSpPr txBox="1">
+            <a:spLocks noGrp="1"/>
+          </p:cNvSpPr>
           <p:nvPr>
             <p:ph type="subTitle" sz="half" idx="1"/>
           </p:nvPr>
@@ -1992,6 +1940,7 @@
                 <a:spcPts val="0"/>
               </a:spcBef>
             </a:pPr>
+            <a:endParaRPr/>
           </a:p>
         </p:txBody>
       </p:sp>
@@ -2000,12 +1949,12 @@
   <p:clrMapOvr>
     <a:masterClrMapping/>
   </p:clrMapOvr>
-  <p:transition xmlns:p14="http://schemas.microsoft.com/office/powerpoint/2010/main" spd="med" advClick="1"/>
+  <p:transition spd="med"/>
 </p:sld>
 </file>
 
-<file path=ppt/slides/slide13.xml><?xml version="1.0" encoding="utf-8"?>
-<p:sld xmlns:a="http://schemas.openxmlformats.org/drawingml/2006/main" xmlns:r="http://schemas.openxmlformats.org/officeDocument/2006/relationships" xmlns:p="http://schemas.openxmlformats.org/presentationml/2006/main" showMasterSp="1" showMasterPhAnim="1">
+<file path=ppt/slides/slide12.xml><?xml version="1.0" encoding="utf-8"?>
+<p:sld xmlns:a="http://schemas.openxmlformats.org/drawingml/2006/main" xmlns:r="http://schemas.openxmlformats.org/officeDocument/2006/relationships" xmlns:p="http://schemas.openxmlformats.org/presentationml/2006/main">
   <p:cSld>
     <p:spTree>
       <p:nvGrpSpPr>
@@ -2024,7 +1973,9 @@
       <p:sp>
         <p:nvSpPr>
           <p:cNvPr id="62" name="Google Shape;93;p15"/>
-          <p:cNvSpPr txBox="1"/>
+          <p:cNvSpPr txBox="1">
+            <a:spLocks noGrp="1"/>
+          </p:cNvSpPr>
           <p:nvPr>
             <p:ph type="sldNum" sz="quarter" idx="4294967295"/>
           </p:nvPr>
@@ -2039,7 +1990,7 @@
           </a:prstGeom>
           <a:extLst>
             <a:ext uri="{C572A759-6A51-4108-AA02-DFA0A04FC94B}">
-              <ma14:wrappingTextBoxFlag xmlns:ma14="http://schemas.microsoft.com/office/mac/drawingml/2011/main" val="1"/>
+              <ma14:wrappingTextBoxFlag xmlns="" xmlns:ma14="http://schemas.microsoft.com/office/mac/drawingml/2011/main" val="1"/>
             </a:ext>
           </a:extLst>
         </p:spPr>
@@ -2059,8 +2010,10 @@
             </a:lvl1pPr>
           </a:lstStyle>
           <a:p>
-            <a:pPr/>
-            <a:fld id="{86CB4B4D-7CA3-9044-876B-883B54F8677D}" type="slidenum"/>
+            <a:fld id="{86CB4B4D-7CA3-9044-876B-883B54F8677D}" type="slidenum">
+              <a:t>12</a:t>
+            </a:fld>
+            <a:endParaRPr/>
           </a:p>
         </p:txBody>
       </p:sp>
@@ -2098,12 +2051,12 @@
   <p:clrMapOvr>
     <a:masterClrMapping/>
   </p:clrMapOvr>
-  <p:transition xmlns:p14="http://schemas.microsoft.com/office/powerpoint/2010/main" spd="med" advClick="1"/>
+  <p:transition spd="med"/>
 </p:sld>
 </file>
 
-<file path=ppt/slides/slide14.xml><?xml version="1.0" encoding="utf-8"?>
-<p:sld xmlns:a="http://schemas.openxmlformats.org/drawingml/2006/main" xmlns:r="http://schemas.openxmlformats.org/officeDocument/2006/relationships" xmlns:p="http://schemas.openxmlformats.org/presentationml/2006/main" showMasterSp="1" showMasterPhAnim="1">
+<file path=ppt/slides/slide13.xml><?xml version="1.0" encoding="utf-8"?>
+<p:sld xmlns:a="http://schemas.openxmlformats.org/drawingml/2006/main" xmlns:r="http://schemas.openxmlformats.org/officeDocument/2006/relationships" xmlns:p="http://schemas.openxmlformats.org/presentationml/2006/main">
   <p:cSld>
     <p:spTree>
       <p:nvGrpSpPr>
@@ -2122,7 +2075,9 @@
       <p:sp>
         <p:nvSpPr>
           <p:cNvPr id="65" name="Google Shape;99;p16"/>
-          <p:cNvSpPr txBox="1"/>
+          <p:cNvSpPr txBox="1">
+            <a:spLocks noGrp="1"/>
+          </p:cNvSpPr>
           <p:nvPr>
             <p:ph type="ctrTitle"/>
           </p:nvPr>
@@ -2145,7 +2100,6 @@
           <a:bodyPr/>
           <a:lstStyle/>
           <a:p>
-            <a:pPr/>
             <a:r>
               <a:t>Metronome</a:t>
             </a:r>
@@ -2155,7 +2109,9 @@
       <p:sp>
         <p:nvSpPr>
           <p:cNvPr id="66" name="Google Shape;100;p16"/>
-          <p:cNvSpPr txBox="1"/>
+          <p:cNvSpPr txBox="1">
+            <a:spLocks noGrp="1"/>
+          </p:cNvSpPr>
           <p:nvPr>
             <p:ph type="subTitle" sz="half" idx="1"/>
           </p:nvPr>
@@ -2178,6 +2134,7 @@
                 <a:spcPts val="0"/>
               </a:spcBef>
             </a:pPr>
+            <a:endParaRPr/>
           </a:p>
         </p:txBody>
       </p:sp>
@@ -2186,12 +2143,12 @@
   <p:clrMapOvr>
     <a:masterClrMapping/>
   </p:clrMapOvr>
-  <p:transition xmlns:p14="http://schemas.microsoft.com/office/powerpoint/2010/main" spd="med" advClick="1"/>
+  <p:transition spd="med"/>
 </p:sld>
 </file>
 
-<file path=ppt/slides/slide15.xml><?xml version="1.0" encoding="utf-8"?>
-<p:sld xmlns:a="http://schemas.openxmlformats.org/drawingml/2006/main" xmlns:r="http://schemas.openxmlformats.org/officeDocument/2006/relationships" xmlns:p="http://schemas.openxmlformats.org/presentationml/2006/main" showMasterSp="1" showMasterPhAnim="1">
+<file path=ppt/slides/slide14.xml><?xml version="1.0" encoding="utf-8"?>
+<p:sld xmlns:a="http://schemas.openxmlformats.org/drawingml/2006/main" xmlns:r="http://schemas.openxmlformats.org/officeDocument/2006/relationships" xmlns:p="http://schemas.openxmlformats.org/presentationml/2006/main">
   <p:cSld>
     <p:spTree>
       <p:nvGrpSpPr>
@@ -2210,7 +2167,9 @@
       <p:sp>
         <p:nvSpPr>
           <p:cNvPr id="68" name="Google Shape;105;p17"/>
-          <p:cNvSpPr txBox="1"/>
+          <p:cNvSpPr txBox="1">
+            <a:spLocks noGrp="1"/>
+          </p:cNvSpPr>
           <p:nvPr>
             <p:ph type="ctrTitle"/>
           </p:nvPr>
@@ -2233,7 +2192,6 @@
           <a:bodyPr/>
           <a:lstStyle/>
           <a:p>
-            <a:pPr/>
             <a:r>
               <a:t>Tuning (the beast)</a:t>
             </a:r>
@@ -2243,7 +2201,9 @@
       <p:sp>
         <p:nvSpPr>
           <p:cNvPr id="69" name="Google Shape;106;p17"/>
-          <p:cNvSpPr txBox="1"/>
+          <p:cNvSpPr txBox="1">
+            <a:spLocks noGrp="1"/>
+          </p:cNvSpPr>
           <p:nvPr>
             <p:ph type="subTitle" sz="half" idx="1"/>
           </p:nvPr>
@@ -2283,12 +2243,12 @@
   <p:clrMapOvr>
     <a:masterClrMapping/>
   </p:clrMapOvr>
-  <p:transition xmlns:p14="http://schemas.microsoft.com/office/powerpoint/2010/main" spd="med" advClick="1"/>
+  <p:transition spd="med"/>
 </p:sld>
 </file>
 
-<file path=ppt/slides/slide16.xml><?xml version="1.0" encoding="utf-8"?>
-<p:sld xmlns:a="http://schemas.openxmlformats.org/drawingml/2006/main" xmlns:r="http://schemas.openxmlformats.org/officeDocument/2006/relationships" xmlns:p="http://schemas.openxmlformats.org/presentationml/2006/main" showMasterSp="1" showMasterPhAnim="1">
+<file path=ppt/slides/slide15.xml><?xml version="1.0" encoding="utf-8"?>
+<p:sld xmlns:a="http://schemas.openxmlformats.org/drawingml/2006/main" xmlns:r="http://schemas.openxmlformats.org/officeDocument/2006/relationships" xmlns:p="http://schemas.openxmlformats.org/presentationml/2006/main">
   <p:cSld>
     <p:spTree>
       <p:nvGrpSpPr>
@@ -2307,7 +2267,9 @@
       <p:sp>
         <p:nvSpPr>
           <p:cNvPr id="71" name="Google Shape;111;p18"/>
-          <p:cNvSpPr txBox="1"/>
+          <p:cNvSpPr txBox="1">
+            <a:spLocks noGrp="1"/>
+          </p:cNvSpPr>
           <p:nvPr>
             <p:ph type="ctrTitle"/>
           </p:nvPr>
@@ -2330,7 +2292,6 @@
           <a:bodyPr/>
           <a:lstStyle/>
           <a:p>
-            <a:pPr/>
             <a:r>
               <a:t>Plan B</a:t>
             </a:r>
@@ -2340,7 +2301,9 @@
       <p:sp>
         <p:nvSpPr>
           <p:cNvPr id="72" name="Google Shape;112;p18"/>
-          <p:cNvSpPr txBox="1"/>
+          <p:cNvSpPr txBox="1">
+            <a:spLocks noGrp="1"/>
+          </p:cNvSpPr>
           <p:nvPr>
             <p:ph type="subTitle" sz="half" idx="1"/>
           </p:nvPr>
@@ -2364,7 +2327,6 @@
             </a:lvl1pPr>
           </a:lstStyle>
           <a:p>
-            <a:pPr/>
             <a:r>
               <a:t>“Brain Tuning” – Essentially playing the sound as it should be and expecting the user to match it.</a:t>
             </a:r>
@@ -2376,12 +2338,12 @@
   <p:clrMapOvr>
     <a:masterClrMapping/>
   </p:clrMapOvr>
-  <p:transition xmlns:p14="http://schemas.microsoft.com/office/powerpoint/2010/main" spd="med" advClick="1"/>
+  <p:transition spd="med"/>
 </p:sld>
 </file>
 
-<file path=ppt/slides/slide17.xml><?xml version="1.0" encoding="utf-8"?>
-<p:sld xmlns:a="http://schemas.openxmlformats.org/drawingml/2006/main" xmlns:r="http://schemas.openxmlformats.org/officeDocument/2006/relationships" xmlns:p="http://schemas.openxmlformats.org/presentationml/2006/main" showMasterSp="1" showMasterPhAnim="1">
+<file path=ppt/slides/slide16.xml><?xml version="1.0" encoding="utf-8"?>
+<p:sld xmlns:a="http://schemas.openxmlformats.org/drawingml/2006/main" xmlns:r="http://schemas.openxmlformats.org/officeDocument/2006/relationships" xmlns:p="http://schemas.openxmlformats.org/presentationml/2006/main">
   <p:cSld>
     <p:spTree>
       <p:nvGrpSpPr>
@@ -2400,7 +2362,9 @@
       <p:sp>
         <p:nvSpPr>
           <p:cNvPr id="74" name="Google Shape;117;p19"/>
-          <p:cNvSpPr txBox="1"/>
+          <p:cNvSpPr txBox="1">
+            <a:spLocks noGrp="1"/>
+          </p:cNvSpPr>
           <p:nvPr>
             <p:ph type="ctrTitle"/>
           </p:nvPr>
@@ -2423,7 +2387,6 @@
           <a:bodyPr/>
           <a:lstStyle/>
           <a:p>
-            <a:pPr/>
             <a:r>
               <a:t>Updated Plan For Sprint 3</a:t>
             </a:r>
@@ -2433,7 +2396,9 @@
       <p:sp>
         <p:nvSpPr>
           <p:cNvPr id="75" name="Google Shape;118;p19"/>
-          <p:cNvSpPr txBox="1"/>
+          <p:cNvSpPr txBox="1">
+            <a:spLocks noGrp="1"/>
+          </p:cNvSpPr>
           <p:nvPr>
             <p:ph type="subTitle" sz="half" idx="1"/>
           </p:nvPr>
@@ -2457,7 +2422,6 @@
             </a:lvl1pPr>
           </a:lstStyle>
           <a:p>
-            <a:pPr/>
             <a:r>
               <a:t>Functioning build of all features connected to the user interface.</a:t>
             </a:r>
@@ -2469,12 +2433,12 @@
   <p:clrMapOvr>
     <a:masterClrMapping/>
   </p:clrMapOvr>
-  <p:transition xmlns:p14="http://schemas.microsoft.com/office/powerpoint/2010/main" spd="med" advClick="1"/>
+  <p:transition spd="med"/>
 </p:sld>
 </file>
 
 <file path=ppt/slides/slide2.xml><?xml version="1.0" encoding="utf-8"?>
-<p:sld xmlns:a="http://schemas.openxmlformats.org/drawingml/2006/main" xmlns:r="http://schemas.openxmlformats.org/officeDocument/2006/relationships" xmlns:p="http://schemas.openxmlformats.org/presentationml/2006/main" showMasterSp="1" showMasterPhAnim="1">
+<p:sld xmlns:a="http://schemas.openxmlformats.org/drawingml/2006/main" xmlns:r="http://schemas.openxmlformats.org/officeDocument/2006/relationships" xmlns:p="http://schemas.openxmlformats.org/presentationml/2006/main">
   <p:cSld>
     <p:spTree>
       <p:nvGrpSpPr>
@@ -2493,7 +2457,9 @@
       <p:sp>
         <p:nvSpPr>
           <p:cNvPr id="27" name="Google Shape;25;p4"/>
-          <p:cNvSpPr txBox="1"/>
+          <p:cNvSpPr txBox="1">
+            <a:spLocks noGrp="1"/>
+          </p:cNvSpPr>
           <p:nvPr>
             <p:ph type="ctrTitle"/>
           </p:nvPr>
@@ -2516,7 +2482,6 @@
           <a:bodyPr/>
           <a:lstStyle/>
           <a:p>
-            <a:pPr/>
             <a:r>
               <a:t>UML Diagrams and Updated Documents</a:t>
             </a:r>
@@ -2526,7 +2491,9 @@
       <p:sp>
         <p:nvSpPr>
           <p:cNvPr id="28" name="Google Shape;26;p4"/>
-          <p:cNvSpPr txBox="1"/>
+          <p:cNvSpPr txBox="1">
+            <a:spLocks noGrp="1"/>
+          </p:cNvSpPr>
           <p:nvPr>
             <p:ph type="subTitle" sz="half" idx="1"/>
           </p:nvPr>
@@ -2550,24 +2517,37 @@
               </a:spcBef>
             </a:pPr>
             <a:r>
-              <a:t>New Gantt Chart (bye excel)</a:t>
+              <a:rPr dirty="0"/>
+              <a:t>New </a:t>
             </a:r>
+            <a:r>
+              <a:rPr/>
+              <a:t>Gantt </a:t>
+            </a:r>
+            <a:r>
+              <a:rPr smtClean="0"/>
+              <a:t>Chart</a:t>
+            </a:r>
+            <a:endParaRPr dirty="0"/>
           </a:p>
           <a:p>
             <a:pPr marL="0"/>
             <a:r>
+              <a:rPr dirty="0"/>
               <a:t>Updated Project Plan</a:t>
             </a:r>
           </a:p>
           <a:p>
             <a:pPr marL="0"/>
             <a:r>
+              <a:rPr dirty="0"/>
               <a:t>Updated Project Document</a:t>
             </a:r>
           </a:p>
           <a:p>
             <a:pPr marL="0"/>
             <a:r>
+              <a:rPr dirty="0"/>
               <a:t>New test cases</a:t>
             </a:r>
           </a:p>
@@ -2578,100 +2558,12 @@
   <p:clrMapOvr>
     <a:masterClrMapping/>
   </p:clrMapOvr>
-  <p:transition xmlns:p14="http://schemas.microsoft.com/office/powerpoint/2010/main" spd="med" advClick="1"/>
+  <p:transition spd="med"/>
 </p:sld>
 </file>
 
 <file path=ppt/slides/slide3.xml><?xml version="1.0" encoding="utf-8"?>
-<p:sld xmlns:a="http://schemas.openxmlformats.org/drawingml/2006/main" xmlns:r="http://schemas.openxmlformats.org/officeDocument/2006/relationships" xmlns:p="http://schemas.openxmlformats.org/presentationml/2006/main" showMasterSp="1" showMasterPhAnim="1">
-  <p:cSld>
-    <p:spTree>
-      <p:nvGrpSpPr>
-        <p:cNvPr id="1" name=""/>
-        <p:cNvGrpSpPr/>
-        <p:nvPr/>
-      </p:nvGrpSpPr>
-      <p:grpSpPr>
-        <a:xfrm>
-          <a:off x="0" y="0"/>
-          <a:ext cx="0" cy="0"/>
-          <a:chOff x="0" y="0"/>
-          <a:chExt cx="0" cy="0"/>
-        </a:xfrm>
-      </p:grpSpPr>
-      <p:sp>
-        <p:nvSpPr>
-          <p:cNvPr id="30" name="Google Shape;31;p5"/>
-          <p:cNvSpPr txBox="1"/>
-          <p:nvPr>
-            <p:ph type="ctrTitle"/>
-          </p:nvPr>
-        </p:nvSpPr>
-        <p:spPr>
-          <a:xfrm>
-            <a:off x="1600200" y="2386011"/>
-            <a:ext cx="8991600" cy="1646237"/>
-          </a:xfrm>
-          <a:prstGeom prst="rect">
-            <a:avLst/>
-          </a:prstGeom>
-          <a:ln w="9525">
-            <a:solidFill>
-              <a:srgbClr val="000000"/>
-            </a:solidFill>
-          </a:ln>
-        </p:spPr>
-        <p:txBody>
-          <a:bodyPr/>
-          <a:lstStyle/>
-          <a:p>
-            <a:pPr/>
-            <a:r>
-              <a:t>Slide for dat gantt bro</a:t>
-            </a:r>
-          </a:p>
-        </p:txBody>
-      </p:sp>
-      <p:sp>
-        <p:nvSpPr>
-          <p:cNvPr id="31" name="Google Shape;32;p5"/>
-          <p:cNvSpPr txBox="1"/>
-          <p:nvPr>
-            <p:ph type="subTitle" sz="half" idx="1"/>
-          </p:nvPr>
-        </p:nvSpPr>
-        <p:spPr>
-          <a:xfrm>
-            <a:off x="2693986" y="4351337"/>
-            <a:ext cx="6802437" cy="2506662"/>
-          </a:xfrm>
-          <a:prstGeom prst="rect">
-            <a:avLst/>
-          </a:prstGeom>
-        </p:spPr>
-        <p:txBody>
-          <a:bodyPr/>
-          <a:lstStyle/>
-          <a:p>
-            <a:pPr marL="0">
-              <a:spcBef>
-                <a:spcPts val="0"/>
-              </a:spcBef>
-            </a:pPr>
-          </a:p>
-        </p:txBody>
-      </p:sp>
-    </p:spTree>
-  </p:cSld>
-  <p:clrMapOvr>
-    <a:masterClrMapping/>
-  </p:clrMapOvr>
-  <p:transition xmlns:p14="http://schemas.microsoft.com/office/powerpoint/2010/main" spd="med" advClick="1"/>
-</p:sld>
-</file>
-
-<file path=ppt/slides/slide4.xml><?xml version="1.0" encoding="utf-8"?>
-<p:sld xmlns:a="http://schemas.openxmlformats.org/drawingml/2006/main" xmlns:r="http://schemas.openxmlformats.org/officeDocument/2006/relationships" xmlns:p="http://schemas.openxmlformats.org/presentationml/2006/main" showMasterSp="1" showMasterPhAnim="1">
+<p:sld xmlns:a="http://schemas.openxmlformats.org/drawingml/2006/main" xmlns:r="http://schemas.openxmlformats.org/officeDocument/2006/relationships" xmlns:p="http://schemas.openxmlformats.org/presentationml/2006/main">
   <p:cSld>
     <p:spTree>
       <p:nvGrpSpPr>
@@ -2690,7 +2582,9 @@
       <p:sp>
         <p:nvSpPr>
           <p:cNvPr id="33" name="Google Shape;37;p6"/>
-          <p:cNvSpPr txBox="1"/>
+          <p:cNvSpPr txBox="1">
+            <a:spLocks noGrp="1"/>
+          </p:cNvSpPr>
           <p:nvPr>
             <p:ph type="ctrTitle"/>
           </p:nvPr>
@@ -2713,7 +2607,6 @@
           <a:bodyPr/>
           <a:lstStyle/>
           <a:p>
-            <a:pPr/>
             <a:r>
               <a:t>Project Document</a:t>
             </a:r>
@@ -2723,7 +2616,9 @@
       <p:sp>
         <p:nvSpPr>
           <p:cNvPr id="34" name="Google Shape;38;p6"/>
-          <p:cNvSpPr txBox="1"/>
+          <p:cNvSpPr txBox="1">
+            <a:spLocks noGrp="1"/>
+          </p:cNvSpPr>
           <p:nvPr>
             <p:ph type="subTitle" sz="half" idx="1"/>
           </p:nvPr>
@@ -2763,12 +2658,12 @@
   <p:clrMapOvr>
     <a:masterClrMapping/>
   </p:clrMapOvr>
-  <p:transition xmlns:p14="http://schemas.microsoft.com/office/powerpoint/2010/main" spd="med" advClick="1"/>
+  <p:transition spd="med"/>
 </p:sld>
 </file>
 
-<file path=ppt/slides/slide5.xml><?xml version="1.0" encoding="utf-8"?>
-<p:sld xmlns:a="http://schemas.openxmlformats.org/drawingml/2006/main" xmlns:r="http://schemas.openxmlformats.org/officeDocument/2006/relationships" xmlns:p="http://schemas.openxmlformats.org/presentationml/2006/main" showMasterSp="1" showMasterPhAnim="1">
+<file path=ppt/slides/slide4.xml><?xml version="1.0" encoding="utf-8"?>
+<p:sld xmlns:a="http://schemas.openxmlformats.org/drawingml/2006/main" xmlns:r="http://schemas.openxmlformats.org/officeDocument/2006/relationships" xmlns:p="http://schemas.openxmlformats.org/presentationml/2006/main">
   <p:cSld>
     <p:spTree>
       <p:nvGrpSpPr>
@@ -2787,7 +2682,9 @@
       <p:sp>
         <p:nvSpPr>
           <p:cNvPr id="36" name="Google Shape;43;p7"/>
-          <p:cNvSpPr txBox="1"/>
+          <p:cNvSpPr txBox="1">
+            <a:spLocks noGrp="1"/>
+          </p:cNvSpPr>
           <p:nvPr>
             <p:ph type="ctrTitle"/>
           </p:nvPr>
@@ -2810,7 +2707,6 @@
           <a:bodyPr/>
           <a:lstStyle/>
           <a:p>
-            <a:pPr/>
             <a:r>
               <a:t>Test Cases</a:t>
             </a:r>
@@ -2820,7 +2716,9 @@
       <p:sp>
         <p:nvSpPr>
           <p:cNvPr id="37" name="Google Shape;44;p7"/>
-          <p:cNvSpPr txBox="1"/>
+          <p:cNvSpPr txBox="1">
+            <a:spLocks noGrp="1"/>
+          </p:cNvSpPr>
           <p:nvPr>
             <p:ph type="subTitle" sz="half" idx="1"/>
           </p:nvPr>
@@ -3038,12 +2936,12 @@
   <p:clrMapOvr>
     <a:masterClrMapping/>
   </p:clrMapOvr>
-  <p:transition xmlns:p14="http://schemas.microsoft.com/office/powerpoint/2010/main" spd="med" advClick="1"/>
+  <p:transition spd="med"/>
 </p:sld>
 </file>
 
-<file path=ppt/slides/slide6.xml><?xml version="1.0" encoding="utf-8"?>
-<p:sld xmlns:a="http://schemas.openxmlformats.org/drawingml/2006/main" xmlns:r="http://schemas.openxmlformats.org/officeDocument/2006/relationships" xmlns:p="http://schemas.openxmlformats.org/presentationml/2006/main" showMasterSp="1" showMasterPhAnim="1">
+<file path=ppt/slides/slide5.xml><?xml version="1.0" encoding="utf-8"?>
+<p:sld xmlns:a="http://schemas.openxmlformats.org/drawingml/2006/main" xmlns:r="http://schemas.openxmlformats.org/officeDocument/2006/relationships" xmlns:p="http://schemas.openxmlformats.org/presentationml/2006/main">
   <p:cSld>
     <p:spTree>
       <p:nvGrpSpPr>
@@ -3136,7 +3034,7 @@
           </a:ln>
           <a:extLst>
             <a:ext uri="{C572A759-6A51-4108-AA02-DFA0A04FC94B}">
-              <ma14:wrappingTextBoxFlag xmlns:ma14="http://schemas.microsoft.com/office/mac/drawingml/2011/main" val="1"/>
+              <ma14:wrappingTextBoxFlag xmlns="" xmlns:ma14="http://schemas.microsoft.com/office/mac/drawingml/2011/main" val="1"/>
             </a:ext>
           </a:extLst>
         </p:spPr>
@@ -3160,7 +3058,6 @@
             </a:lvl1pPr>
           </a:lstStyle>
           <a:p>
-            <a:pPr/>
             <a:r>
               <a:t>Changed backlog to reflect one-man tasks or implementation strategies</a:t>
             </a:r>
@@ -3172,12 +3069,12 @@
   <p:clrMapOvr>
     <a:masterClrMapping/>
   </p:clrMapOvr>
-  <p:transition xmlns:p14="http://schemas.microsoft.com/office/powerpoint/2010/main" spd="med" advClick="1"/>
+  <p:transition spd="med"/>
 </p:sld>
 </file>
 
-<file path=ppt/slides/slide7.xml><?xml version="1.0" encoding="utf-8"?>
-<p:sld xmlns:a="http://schemas.openxmlformats.org/drawingml/2006/main" xmlns:r="http://schemas.openxmlformats.org/officeDocument/2006/relationships" xmlns:p="http://schemas.openxmlformats.org/presentationml/2006/main" showMasterSp="1" showMasterPhAnim="1">
+<file path=ppt/slides/slide6.xml><?xml version="1.0" encoding="utf-8"?>
+<p:sld xmlns:a="http://schemas.openxmlformats.org/drawingml/2006/main" xmlns:r="http://schemas.openxmlformats.org/officeDocument/2006/relationships" xmlns:p="http://schemas.openxmlformats.org/presentationml/2006/main">
   <p:cSld>
     <p:spTree>
       <p:nvGrpSpPr>
@@ -3196,14 +3093,16 @@
       <p:sp>
         <p:nvSpPr>
           <p:cNvPr id="46" name="Google Shape;59;p9"/>
-          <p:cNvSpPr txBox="1"/>
+          <p:cNvSpPr txBox="1">
+            <a:spLocks noGrp="1"/>
+          </p:cNvSpPr>
           <p:nvPr>
             <p:ph type="ctrTitle"/>
           </p:nvPr>
         </p:nvSpPr>
         <p:spPr>
           <a:xfrm>
-            <a:off x="1600200" y="2386011"/>
+            <a:off x="1695735" y="2317772"/>
             <a:ext cx="8991600" cy="1646237"/>
           </a:xfrm>
           <a:prstGeom prst="rect">
@@ -3219,7 +3118,6 @@
           <a:bodyPr/>
           <a:lstStyle/>
           <a:p>
-            <a:pPr/>
             <a:r>
               <a:t>User Interface</a:t>
             </a:r>
@@ -3228,35 +3126,20 @@
       </p:sp>
       <p:sp>
         <p:nvSpPr>
-          <p:cNvPr id="47" name="Google Shape;60;p9"/>
-          <p:cNvSpPr txBox="1"/>
+          <p:cNvPr id="2" name="Text Placeholder 1"/>
+          <p:cNvSpPr>
+            <a:spLocks noGrp="1"/>
+          </p:cNvSpPr>
           <p:nvPr>
-            <p:ph type="subTitle" sz="half" idx="1"/>
+            <p:ph type="body" sz="half" idx="1"/>
           </p:nvPr>
         </p:nvSpPr>
-        <p:spPr>
-          <a:xfrm>
-            <a:off x="2693986" y="4351337"/>
-            <a:ext cx="6802437" cy="2506662"/>
-          </a:xfrm>
-          <a:prstGeom prst="rect">
-            <a:avLst/>
-          </a:prstGeom>
-        </p:spPr>
+        <p:spPr/>
         <p:txBody>
           <a:bodyPr/>
-          <a:lstStyle>
-            <a:lvl1pPr marL="0">
-              <a:spcBef>
-                <a:spcPts val="0"/>
-              </a:spcBef>
-            </a:lvl1pPr>
-          </a:lstStyle>
-          <a:p>
-            <a:pPr/>
-            <a:r>
-              <a:t>Leavin this one for Tanner</a:t>
-            </a:r>
+          <a:lstStyle/>
+          <a:p>
+            <a:endParaRPr lang="en-US"/>
           </a:p>
         </p:txBody>
       </p:sp>
@@ -3265,12 +3148,12 @@
   <p:clrMapOvr>
     <a:masterClrMapping/>
   </p:clrMapOvr>
-  <p:transition xmlns:p14="http://schemas.microsoft.com/office/powerpoint/2010/main" spd="med" advClick="1"/>
+  <p:transition spd="med"/>
 </p:sld>
 </file>
 
-<file path=ppt/slides/slide8.xml><?xml version="1.0" encoding="utf-8"?>
-<p:sld xmlns:a="http://schemas.openxmlformats.org/drawingml/2006/main" xmlns:r="http://schemas.openxmlformats.org/officeDocument/2006/relationships" xmlns:p="http://schemas.openxmlformats.org/presentationml/2006/main" showMasterSp="1" showMasterPhAnim="1">
+<file path=ppt/slides/slide7.xml><?xml version="1.0" encoding="utf-8"?>
+<p:sld xmlns:a="http://schemas.openxmlformats.org/drawingml/2006/main" xmlns:r="http://schemas.openxmlformats.org/officeDocument/2006/relationships" xmlns:p="http://schemas.openxmlformats.org/presentationml/2006/main">
   <p:cSld>
     <p:spTree>
       <p:nvGrpSpPr>
@@ -3289,7 +3172,9 @@
       <p:sp>
         <p:nvSpPr>
           <p:cNvPr id="49" name="Google Shape;65;p10"/>
-          <p:cNvSpPr txBox="1"/>
+          <p:cNvSpPr txBox="1">
+            <a:spLocks noGrp="1"/>
+          </p:cNvSpPr>
           <p:nvPr>
             <p:ph type="ctrTitle"/>
           </p:nvPr>
@@ -3312,7 +3197,6 @@
           <a:bodyPr/>
           <a:lstStyle/>
           <a:p>
-            <a:pPr/>
             <a:r>
               <a:t>Workload Distribution</a:t>
             </a:r>
@@ -3322,7 +3206,9 @@
       <p:sp>
         <p:nvSpPr>
           <p:cNvPr id="50" name="Google Shape;66;p10"/>
-          <p:cNvSpPr txBox="1"/>
+          <p:cNvSpPr txBox="1">
+            <a:spLocks noGrp="1"/>
+          </p:cNvSpPr>
           <p:nvPr>
             <p:ph type="subTitle" sz="half" idx="1"/>
           </p:nvPr>
@@ -3362,12 +3248,12 @@
   <p:clrMapOvr>
     <a:masterClrMapping/>
   </p:clrMapOvr>
-  <p:transition xmlns:p14="http://schemas.microsoft.com/office/powerpoint/2010/main" spd="med" advClick="1"/>
+  <p:transition spd="med"/>
 </p:sld>
 </file>
 
-<file path=ppt/slides/slide9.xml><?xml version="1.0" encoding="utf-8"?>
-<p:sld xmlns:a="http://schemas.openxmlformats.org/drawingml/2006/main" xmlns:r="http://schemas.openxmlformats.org/officeDocument/2006/relationships" xmlns:p="http://schemas.openxmlformats.org/presentationml/2006/main" showMasterSp="1" showMasterPhAnim="1">
+<file path=ppt/slides/slide8.xml><?xml version="1.0" encoding="utf-8"?>
+<p:sld xmlns:a="http://schemas.openxmlformats.org/drawingml/2006/main" xmlns:r="http://schemas.openxmlformats.org/officeDocument/2006/relationships" xmlns:p="http://schemas.openxmlformats.org/presentationml/2006/main">
   <p:cSld>
     <p:spTree>
       <p:nvGrpSpPr>
@@ -3386,7 +3272,9 @@
       <p:sp>
         <p:nvSpPr>
           <p:cNvPr id="52" name="Google Shape;71;p11"/>
-          <p:cNvSpPr txBox="1"/>
+          <p:cNvSpPr txBox="1">
+            <a:spLocks noGrp="1"/>
+          </p:cNvSpPr>
           <p:nvPr>
             <p:ph type="ctrTitle"/>
           </p:nvPr>
@@ -3409,7 +3297,6 @@
           <a:bodyPr/>
           <a:lstStyle/>
           <a:p>
-            <a:pPr/>
             <a:r>
               <a:t>Intonation Game</a:t>
             </a:r>
@@ -3421,12 +3308,104 @@
   <p:clrMapOvr>
     <a:masterClrMapping/>
   </p:clrMapOvr>
-  <p:transition xmlns:p14="http://schemas.microsoft.com/office/powerpoint/2010/main" spd="med" advClick="1"/>
+  <p:transition spd="med"/>
+</p:sld>
+</file>
+
+<file path=ppt/slides/slide9.xml><?xml version="1.0" encoding="utf-8"?>
+<p:sld xmlns:a="http://schemas.openxmlformats.org/drawingml/2006/main" xmlns:r="http://schemas.openxmlformats.org/officeDocument/2006/relationships" xmlns:p="http://schemas.openxmlformats.org/presentationml/2006/main">
+  <p:cSld>
+    <p:spTree>
+      <p:nvGrpSpPr>
+        <p:cNvPr id="1" name=""/>
+        <p:cNvGrpSpPr/>
+        <p:nvPr/>
+      </p:nvGrpSpPr>
+      <p:grpSpPr>
+        <a:xfrm>
+          <a:off x="0" y="0"/>
+          <a:ext cx="0" cy="0"/>
+          <a:chOff x="0" y="0"/>
+          <a:chExt cx="0" cy="0"/>
+        </a:xfrm>
+      </p:grpSpPr>
+      <p:sp>
+        <p:nvSpPr>
+          <p:cNvPr id="54" name="Google Shape;76;p12"/>
+          <p:cNvSpPr txBox="1">
+            <a:spLocks noGrp="1"/>
+          </p:cNvSpPr>
+          <p:nvPr>
+            <p:ph type="ctrTitle"/>
+          </p:nvPr>
+        </p:nvSpPr>
+        <p:spPr>
+          <a:xfrm>
+            <a:off x="1600200" y="2386011"/>
+            <a:ext cx="8991600" cy="1646237"/>
+          </a:xfrm>
+          <a:prstGeom prst="rect">
+            <a:avLst/>
+          </a:prstGeom>
+          <a:ln w="9525">
+            <a:solidFill>
+              <a:srgbClr val="000000"/>
+            </a:solidFill>
+          </a:ln>
+        </p:spPr>
+        <p:txBody>
+          <a:bodyPr/>
+          <a:lstStyle/>
+          <a:p>
+            <a:r>
+              <a:t>If things go right..</a:t>
+            </a:r>
+          </a:p>
+        </p:txBody>
+      </p:sp>
+      <p:sp>
+        <p:nvSpPr>
+          <p:cNvPr id="55" name="Google Shape;77;p12"/>
+          <p:cNvSpPr txBox="1">
+            <a:spLocks noGrp="1"/>
+          </p:cNvSpPr>
+          <p:nvPr>
+            <p:ph type="subTitle" sz="half" idx="1"/>
+          </p:nvPr>
+        </p:nvSpPr>
+        <p:spPr>
+          <a:xfrm>
+            <a:off x="2693986" y="4351337"/>
+            <a:ext cx="6802437" cy="2506662"/>
+          </a:xfrm>
+          <a:prstGeom prst="rect">
+            <a:avLst/>
+          </a:prstGeom>
+        </p:spPr>
+        <p:txBody>
+          <a:bodyPr/>
+          <a:lstStyle/>
+          <a:p>
+            <a:pPr marL="0">
+              <a:spcBef>
+                <a:spcPts val="0"/>
+              </a:spcBef>
+            </a:pPr>
+            <a:endParaRPr/>
+          </a:p>
+        </p:txBody>
+      </p:sp>
+    </p:spTree>
+  </p:cSld>
+  <p:clrMapOvr>
+    <a:masterClrMapping/>
+  </p:clrMapOvr>
+  <p:transition spd="med"/>
 </p:sld>
 </file>
 
 <file path=ppt/theme/theme1.xml><?xml version="1.0" encoding="utf-8"?>
-<a:theme xmlns:a="http://schemas.openxmlformats.org/drawingml/2006/main" xmlns:r="http://schemas.openxmlformats.org/officeDocument/2006/relationships" name="Default - TITLE">
+<a:theme xmlns:a="http://schemas.openxmlformats.org/drawingml/2006/main" name="Default - TITLE">
   <a:themeElements>
     <a:clrScheme name="Default - TITLE">
       <a:dk1>
@@ -3552,7 +3531,7 @@
       <a:effectStyleLst>
         <a:effectStyle>
           <a:effectLst>
-            <a:outerShdw sx="100000" sy="100000" kx="0" ky="0" algn="b" rotWithShape="0" blurRad="38100" dist="23000" dir="5400000">
+            <a:outerShdw blurRad="38100" dist="23000" dir="5400000" rotWithShape="0">
               <a:srgbClr val="000000">
                 <a:alpha val="35000"/>
               </a:srgbClr>
@@ -3561,7 +3540,7 @@
         </a:effectStyle>
         <a:effectStyle>
           <a:effectLst>
-            <a:outerShdw sx="100000" sy="100000" kx="0" ky="0" algn="b" rotWithShape="0" blurRad="38100" dist="23000" dir="5400000">
+            <a:outerShdw blurRad="38100" dist="23000" dir="5400000" rotWithShape="0">
               <a:srgbClr val="000000">
                 <a:alpha val="35000"/>
               </a:srgbClr>
@@ -3570,7 +3549,7 @@
         </a:effectStyle>
         <a:effectStyle>
           <a:effectLst>
-            <a:outerShdw sx="100000" sy="100000" kx="0" ky="0" algn="b" rotWithShape="0" blurRad="38100" dist="20000" dir="5400000">
+            <a:outerShdw blurRad="38100" dist="20000" dir="5400000" rotWithShape="0">
               <a:srgbClr val="000000">
                 <a:alpha val="38000"/>
               </a:srgbClr>
@@ -3646,7 +3625,7 @@
           <a:round/>
         </a:ln>
         <a:effectLst>
-          <a:outerShdw sx="100000" sy="100000" kx="0" ky="0" algn="b" rotWithShape="0" blurRad="38100" dist="23000" dir="5400000">
+          <a:outerShdw blurRad="38100" dist="23000" dir="5400000" rotWithShape="0">
             <a:srgbClr val="000000">
               <a:alpha val="35000"/>
             </a:srgbClr>
@@ -3654,7 +3633,7 @@
         </a:effectLst>
         <a:sp3d/>
       </a:spPr>
-      <a:bodyPr rot="0" spcFirstLastPara="1" vertOverflow="overflow" horzOverflow="overflow" vert="horz" wrap="square" lIns="45719" tIns="45719" rIns="45719" bIns="45719" numCol="1" spcCol="38100" rtlCol="0" anchor="ctr" upright="0">
+      <a:bodyPr rot="0" spcFirstLastPara="1" vertOverflow="overflow" horzOverflow="overflow" vert="horz" wrap="square" lIns="45719" tIns="45719" rIns="45719" bIns="45719" numCol="1" spcCol="38100" rtlCol="0" anchor="ctr">
         <a:spAutoFit/>
       </a:bodyPr>
       <a:lstStyle>
@@ -3673,7 +3652,7 @@
           <a:buFontTx/>
           <a:buNone/>
           <a:tabLst/>
-          <a:defRPr b="0" baseline="0" cap="none" i="0" spc="0" strike="noStrike" sz="1400" u="none" kumimoji="0" normalizeH="0">
+          <a:defRPr kumimoji="0" sz="1400" b="0" i="0" u="none" strike="noStrike" cap="none" spc="0" normalizeH="0" baseline="0">
             <a:ln>
               <a:noFill/>
             </a:ln>
@@ -3703,7 +3682,7 @@
           <a:buFontTx/>
           <a:buNone/>
           <a:tabLst/>
-          <a:defRPr b="0" baseline="0" cap="none" i="0" spc="0" strike="noStrike" sz="1800" u="none" kumimoji="0" normalizeH="0">
+          <a:defRPr kumimoji="0" sz="1800" b="0" i="0" u="none" strike="noStrike" cap="none" spc="0" normalizeH="0" baseline="0">
             <a:ln>
               <a:noFill/>
             </a:ln>
@@ -3729,7 +3708,7 @@
           <a:buFontTx/>
           <a:buNone/>
           <a:tabLst/>
-          <a:defRPr b="0" baseline="0" cap="none" i="0" spc="0" strike="noStrike" sz="1800" u="none" kumimoji="0" normalizeH="0">
+          <a:defRPr kumimoji="0" sz="1800" b="0" i="0" u="none" strike="noStrike" cap="none" spc="0" normalizeH="0" baseline="0">
             <a:ln>
               <a:noFill/>
             </a:ln>
@@ -3755,7 +3734,7 @@
           <a:buFontTx/>
           <a:buNone/>
           <a:tabLst/>
-          <a:defRPr b="0" baseline="0" cap="none" i="0" spc="0" strike="noStrike" sz="1800" u="none" kumimoji="0" normalizeH="0">
+          <a:defRPr kumimoji="0" sz="1800" b="0" i="0" u="none" strike="noStrike" cap="none" spc="0" normalizeH="0" baseline="0">
             <a:ln>
               <a:noFill/>
             </a:ln>
@@ -3781,7 +3760,7 @@
           <a:buFontTx/>
           <a:buNone/>
           <a:tabLst/>
-          <a:defRPr b="0" baseline="0" cap="none" i="0" spc="0" strike="noStrike" sz="1800" u="none" kumimoji="0" normalizeH="0">
+          <a:defRPr kumimoji="0" sz="1800" b="0" i="0" u="none" strike="noStrike" cap="none" spc="0" normalizeH="0" baseline="0">
             <a:ln>
               <a:noFill/>
             </a:ln>
@@ -3807,7 +3786,7 @@
           <a:buFontTx/>
           <a:buNone/>
           <a:tabLst/>
-          <a:defRPr b="0" baseline="0" cap="none" i="0" spc="0" strike="noStrike" sz="1800" u="none" kumimoji="0" normalizeH="0">
+          <a:defRPr kumimoji="0" sz="1800" b="0" i="0" u="none" strike="noStrike" cap="none" spc="0" normalizeH="0" baseline="0">
             <a:ln>
               <a:noFill/>
             </a:ln>
@@ -3833,7 +3812,7 @@
           <a:buFontTx/>
           <a:buNone/>
           <a:tabLst/>
-          <a:defRPr b="0" baseline="0" cap="none" i="0" spc="0" strike="noStrike" sz="1800" u="none" kumimoji="0" normalizeH="0">
+          <a:defRPr kumimoji="0" sz="1800" b="0" i="0" u="none" strike="noStrike" cap="none" spc="0" normalizeH="0" baseline="0">
             <a:ln>
               <a:noFill/>
             </a:ln>
@@ -3859,7 +3838,7 @@
           <a:buFontTx/>
           <a:buNone/>
           <a:tabLst/>
-          <a:defRPr b="0" baseline="0" cap="none" i="0" spc="0" strike="noStrike" sz="1800" u="none" kumimoji="0" normalizeH="0">
+          <a:defRPr kumimoji="0" sz="1800" b="0" i="0" u="none" strike="noStrike" cap="none" spc="0" normalizeH="0" baseline="0">
             <a:ln>
               <a:noFill/>
             </a:ln>
@@ -3885,7 +3864,7 @@
           <a:buFontTx/>
           <a:buNone/>
           <a:tabLst/>
-          <a:defRPr b="0" baseline="0" cap="none" i="0" spc="0" strike="noStrike" sz="1800" u="none" kumimoji="0" normalizeH="0">
+          <a:defRPr kumimoji="0" sz="1800" b="0" i="0" u="none" strike="noStrike" cap="none" spc="0" normalizeH="0" baseline="0">
             <a:ln>
               <a:noFill/>
             </a:ln>
@@ -3911,7 +3890,7 @@
           <a:buFontTx/>
           <a:buNone/>
           <a:tabLst/>
-          <a:defRPr b="0" baseline="0" cap="none" i="0" spc="0" strike="noStrike" sz="1800" u="none" kumimoji="0" normalizeH="0">
+          <a:defRPr kumimoji="0" sz="1800" b="0" i="0" u="none" strike="noStrike" cap="none" spc="0" normalizeH="0" baseline="0">
             <a:ln>
               <a:noFill/>
             </a:ln>
@@ -3924,9 +3903,15 @@
         </a:lvl9pPr>
       </a:lstStyle>
       <a:style>
-        <a:lnRef idx="0"/>
-        <a:fillRef idx="0"/>
-        <a:effectRef idx="0"/>
+        <a:lnRef idx="0">
+          <a:scrgbClr r="0" g="0" b="0"/>
+        </a:lnRef>
+        <a:fillRef idx="0">
+          <a:scrgbClr r="0" g="0" b="0"/>
+        </a:fillRef>
+        <a:effectRef idx="0">
+          <a:scrgbClr r="0" g="0" b="0"/>
+        </a:effectRef>
         <a:fontRef idx="none"/>
       </a:style>
     </a:spDef>
@@ -3943,7 +3928,7 @@
           <a:round/>
         </a:ln>
         <a:effectLst>
-          <a:outerShdw sx="100000" sy="100000" kx="0" ky="0" algn="b" rotWithShape="0" blurRad="38100" dist="20000" dir="5400000">
+          <a:outerShdw blurRad="38100" dist="20000" dir="5400000" rotWithShape="0">
             <a:srgbClr val="000000">
               <a:alpha val="38000"/>
             </a:srgbClr>
@@ -3951,7 +3936,7 @@
         </a:effectLst>
         <a:sp3d/>
       </a:spPr>
-      <a:bodyPr rot="0" spcFirstLastPara="1" vertOverflow="overflow" horzOverflow="overflow" vert="horz" wrap="square" lIns="91439" tIns="45719" rIns="91439" bIns="45719" numCol="1" spcCol="38100" rtlCol="0" anchor="t" upright="0">
+      <a:bodyPr rot="0" spcFirstLastPara="1" vertOverflow="overflow" horzOverflow="overflow" vert="horz" wrap="square" lIns="91439" tIns="45719" rIns="91439" bIns="45719" numCol="1" spcCol="38100" rtlCol="0" anchor="t">
         <a:noAutofit/>
       </a:bodyPr>
       <a:lstStyle>
@@ -3970,7 +3955,7 @@
           <a:buFontTx/>
           <a:buNone/>
           <a:tabLst/>
-          <a:defRPr b="0" baseline="0" cap="none" i="0" spc="0" strike="noStrike" sz="1800" u="none" kumimoji="0" normalizeH="0">
+          <a:defRPr kumimoji="0" sz="1800" b="0" i="0" u="none" strike="noStrike" cap="none" spc="0" normalizeH="0" baseline="0">
             <a:ln>
               <a:noFill/>
             </a:ln>
@@ -3996,7 +3981,7 @@
           <a:buFontTx/>
           <a:buNone/>
           <a:tabLst/>
-          <a:defRPr b="0" baseline="0" cap="none" i="0" spc="0" strike="noStrike" sz="1800" u="none" kumimoji="0" normalizeH="0">
+          <a:defRPr kumimoji="0" sz="1800" b="0" i="0" u="none" strike="noStrike" cap="none" spc="0" normalizeH="0" baseline="0">
             <a:ln>
               <a:noFill/>
             </a:ln>
@@ -4022,7 +4007,7 @@
           <a:buFontTx/>
           <a:buNone/>
           <a:tabLst/>
-          <a:defRPr b="0" baseline="0" cap="none" i="0" spc="0" strike="noStrike" sz="1800" u="none" kumimoji="0" normalizeH="0">
+          <a:defRPr kumimoji="0" sz="1800" b="0" i="0" u="none" strike="noStrike" cap="none" spc="0" normalizeH="0" baseline="0">
             <a:ln>
               <a:noFill/>
             </a:ln>
@@ -4048,7 +4033,7 @@
           <a:buFontTx/>
           <a:buNone/>
           <a:tabLst/>
-          <a:defRPr b="0" baseline="0" cap="none" i="0" spc="0" strike="noStrike" sz="1800" u="none" kumimoji="0" normalizeH="0">
+          <a:defRPr kumimoji="0" sz="1800" b="0" i="0" u="none" strike="noStrike" cap="none" spc="0" normalizeH="0" baseline="0">
             <a:ln>
               <a:noFill/>
             </a:ln>
@@ -4074,7 +4059,7 @@
           <a:buFontTx/>
           <a:buNone/>
           <a:tabLst/>
-          <a:defRPr b="0" baseline="0" cap="none" i="0" spc="0" strike="noStrike" sz="1800" u="none" kumimoji="0" normalizeH="0">
+          <a:defRPr kumimoji="0" sz="1800" b="0" i="0" u="none" strike="noStrike" cap="none" spc="0" normalizeH="0" baseline="0">
             <a:ln>
               <a:noFill/>
             </a:ln>
@@ -4100,7 +4085,7 @@
           <a:buFontTx/>
           <a:buNone/>
           <a:tabLst/>
-          <a:defRPr b="0" baseline="0" cap="none" i="0" spc="0" strike="noStrike" sz="1800" u="none" kumimoji="0" normalizeH="0">
+          <a:defRPr kumimoji="0" sz="1800" b="0" i="0" u="none" strike="noStrike" cap="none" spc="0" normalizeH="0" baseline="0">
             <a:ln>
               <a:noFill/>
             </a:ln>
@@ -4126,7 +4111,7 @@
           <a:buFontTx/>
           <a:buNone/>
           <a:tabLst/>
-          <a:defRPr b="0" baseline="0" cap="none" i="0" spc="0" strike="noStrike" sz="1800" u="none" kumimoji="0" normalizeH="0">
+          <a:defRPr kumimoji="0" sz="1800" b="0" i="0" u="none" strike="noStrike" cap="none" spc="0" normalizeH="0" baseline="0">
             <a:ln>
               <a:noFill/>
             </a:ln>
@@ -4152,7 +4137,7 @@
           <a:buFontTx/>
           <a:buNone/>
           <a:tabLst/>
-          <a:defRPr b="0" baseline="0" cap="none" i="0" spc="0" strike="noStrike" sz="1800" u="none" kumimoji="0" normalizeH="0">
+          <a:defRPr kumimoji="0" sz="1800" b="0" i="0" u="none" strike="noStrike" cap="none" spc="0" normalizeH="0" baseline="0">
             <a:ln>
               <a:noFill/>
             </a:ln>
@@ -4178,7 +4163,7 @@
           <a:buFontTx/>
           <a:buNone/>
           <a:tabLst/>
-          <a:defRPr b="0" baseline="0" cap="none" i="0" spc="0" strike="noStrike" sz="1800" u="none" kumimoji="0" normalizeH="0">
+          <a:defRPr kumimoji="0" sz="1800" b="0" i="0" u="none" strike="noStrike" cap="none" spc="0" normalizeH="0" baseline="0">
             <a:ln>
               <a:noFill/>
             </a:ln>
@@ -4204,7 +4189,7 @@
           <a:buFontTx/>
           <a:buNone/>
           <a:tabLst/>
-          <a:defRPr b="0" baseline="0" cap="none" i="0" spc="0" strike="noStrike" sz="1800" u="none" kumimoji="0" normalizeH="0">
+          <a:defRPr kumimoji="0" sz="1800" b="0" i="0" u="none" strike="noStrike" cap="none" spc="0" normalizeH="0" baseline="0">
             <a:ln>
               <a:noFill/>
             </a:ln>
@@ -4217,9 +4202,15 @@
         </a:lvl9pPr>
       </a:lstStyle>
       <a:style>
-        <a:lnRef idx="0"/>
-        <a:fillRef idx="0"/>
-        <a:effectRef idx="0"/>
+        <a:lnRef idx="0">
+          <a:scrgbClr r="0" g="0" b="0"/>
+        </a:lnRef>
+        <a:fillRef idx="0">
+          <a:scrgbClr r="0" g="0" b="0"/>
+        </a:fillRef>
+        <a:effectRef idx="0">
+          <a:scrgbClr r="0" g="0" b="0"/>
+        </a:effectRef>
         <a:fontRef idx="none"/>
       </a:style>
     </a:lnDef>
@@ -4233,7 +4224,7 @@
         <a:effectLst/>
         <a:sp3d/>
       </a:spPr>
-      <a:bodyPr rot="0" spcFirstLastPara="1" vertOverflow="overflow" horzOverflow="overflow" vert="horz" wrap="square" lIns="45719" tIns="45719" rIns="45719" bIns="45719" numCol="1" spcCol="38100" rtlCol="0" anchor="t" upright="0">
+      <a:bodyPr rot="0" spcFirstLastPara="1" vertOverflow="overflow" horzOverflow="overflow" vert="horz" wrap="square" lIns="45719" tIns="45719" rIns="45719" bIns="45719" numCol="1" spcCol="38100" rtlCol="0" anchor="t">
         <a:spAutoFit/>
       </a:bodyPr>
       <a:lstStyle>
@@ -4252,7 +4243,7 @@
           <a:buFontTx/>
           <a:buNone/>
           <a:tabLst/>
-          <a:defRPr b="0" baseline="0" cap="none" i="0" spc="0" strike="noStrike" sz="1400" u="none" kumimoji="0" normalizeH="0">
+          <a:defRPr kumimoji="0" sz="1400" b="0" i="0" u="none" strike="noStrike" cap="none" spc="0" normalizeH="0" baseline="0">
             <a:ln>
               <a:noFill/>
             </a:ln>
@@ -4282,7 +4273,7 @@
           <a:buFontTx/>
           <a:buNone/>
           <a:tabLst/>
-          <a:defRPr b="0" baseline="0" cap="none" i="0" spc="0" strike="noStrike" sz="1800" u="none" kumimoji="0" normalizeH="0">
+          <a:defRPr kumimoji="0" sz="1800" b="0" i="0" u="none" strike="noStrike" cap="none" spc="0" normalizeH="0" baseline="0">
             <a:ln>
               <a:noFill/>
             </a:ln>
@@ -4308,7 +4299,7 @@
           <a:buFontTx/>
           <a:buNone/>
           <a:tabLst/>
-          <a:defRPr b="0" baseline="0" cap="none" i="0" spc="0" strike="noStrike" sz="1800" u="none" kumimoji="0" normalizeH="0">
+          <a:defRPr kumimoji="0" sz="1800" b="0" i="0" u="none" strike="noStrike" cap="none" spc="0" normalizeH="0" baseline="0">
             <a:ln>
               <a:noFill/>
             </a:ln>
@@ -4334,7 +4325,7 @@
           <a:buFontTx/>
           <a:buNone/>
           <a:tabLst/>
-          <a:defRPr b="0" baseline="0" cap="none" i="0" spc="0" strike="noStrike" sz="1800" u="none" kumimoji="0" normalizeH="0">
+          <a:defRPr kumimoji="0" sz="1800" b="0" i="0" u="none" strike="noStrike" cap="none" spc="0" normalizeH="0" baseline="0">
             <a:ln>
               <a:noFill/>
             </a:ln>
@@ -4360,7 +4351,7 @@
           <a:buFontTx/>
           <a:buNone/>
           <a:tabLst/>
-          <a:defRPr b="0" baseline="0" cap="none" i="0" spc="0" strike="noStrike" sz="1800" u="none" kumimoji="0" normalizeH="0">
+          <a:defRPr kumimoji="0" sz="1800" b="0" i="0" u="none" strike="noStrike" cap="none" spc="0" normalizeH="0" baseline="0">
             <a:ln>
               <a:noFill/>
             </a:ln>
@@ -4386,7 +4377,7 @@
           <a:buFontTx/>
           <a:buNone/>
           <a:tabLst/>
-          <a:defRPr b="0" baseline="0" cap="none" i="0" spc="0" strike="noStrike" sz="1800" u="none" kumimoji="0" normalizeH="0">
+          <a:defRPr kumimoji="0" sz="1800" b="0" i="0" u="none" strike="noStrike" cap="none" spc="0" normalizeH="0" baseline="0">
             <a:ln>
               <a:noFill/>
             </a:ln>
@@ -4412,7 +4403,7 @@
           <a:buFontTx/>
           <a:buNone/>
           <a:tabLst/>
-          <a:defRPr b="0" baseline="0" cap="none" i="0" spc="0" strike="noStrike" sz="1800" u="none" kumimoji="0" normalizeH="0">
+          <a:defRPr kumimoji="0" sz="1800" b="0" i="0" u="none" strike="noStrike" cap="none" spc="0" normalizeH="0" baseline="0">
             <a:ln>
               <a:noFill/>
             </a:ln>
@@ -4438,7 +4429,7 @@
           <a:buFontTx/>
           <a:buNone/>
           <a:tabLst/>
-          <a:defRPr b="0" baseline="0" cap="none" i="0" spc="0" strike="noStrike" sz="1800" u="none" kumimoji="0" normalizeH="0">
+          <a:defRPr kumimoji="0" sz="1800" b="0" i="0" u="none" strike="noStrike" cap="none" spc="0" normalizeH="0" baseline="0">
             <a:ln>
               <a:noFill/>
             </a:ln>
@@ -4464,7 +4455,7 @@
           <a:buFontTx/>
           <a:buNone/>
           <a:tabLst/>
-          <a:defRPr b="0" baseline="0" cap="none" i="0" spc="0" strike="noStrike" sz="1800" u="none" kumimoji="0" normalizeH="0">
+          <a:defRPr kumimoji="0" sz="1800" b="0" i="0" u="none" strike="noStrike" cap="none" spc="0" normalizeH="0" baseline="0">
             <a:ln>
               <a:noFill/>
             </a:ln>
@@ -4490,7 +4481,7 @@
           <a:buFontTx/>
           <a:buNone/>
           <a:tabLst/>
-          <a:defRPr b="0" baseline="0" cap="none" i="0" spc="0" strike="noStrike" sz="1800" u="none" kumimoji="0" normalizeH="0">
+          <a:defRPr kumimoji="0" sz="1800" b="0" i="0" u="none" strike="noStrike" cap="none" spc="0" normalizeH="0" baseline="0">
             <a:ln>
               <a:noFill/>
             </a:ln>
@@ -4503,18 +4494,25 @@
         </a:lvl9pPr>
       </a:lstStyle>
       <a:style>
-        <a:lnRef idx="0"/>
-        <a:fillRef idx="0"/>
-        <a:effectRef idx="0"/>
+        <a:lnRef idx="0">
+          <a:scrgbClr r="0" g="0" b="0"/>
+        </a:lnRef>
+        <a:fillRef idx="0">
+          <a:scrgbClr r="0" g="0" b="0"/>
+        </a:fillRef>
+        <a:effectRef idx="0">
+          <a:scrgbClr r="0" g="0" b="0"/>
+        </a:effectRef>
         <a:fontRef idx="none"/>
       </a:style>
     </a:txDef>
   </a:objectDefaults>
+  <a:extraClrSchemeLst/>
 </a:theme>
 </file>
 
 <file path=ppt/theme/theme2.xml><?xml version="1.0" encoding="utf-8"?>
-<a:theme xmlns:a="http://schemas.openxmlformats.org/drawingml/2006/main" xmlns:r="http://schemas.openxmlformats.org/officeDocument/2006/relationships" name="Default - TITLE">
+<a:theme xmlns:a="http://schemas.openxmlformats.org/drawingml/2006/main" name="Default - TITLE">
   <a:themeElements>
     <a:clrScheme name="Default - TITLE">
       <a:dk1>
@@ -4640,7 +4638,7 @@
       <a:effectStyleLst>
         <a:effectStyle>
           <a:effectLst>
-            <a:outerShdw sx="100000" sy="100000" kx="0" ky="0" algn="b" rotWithShape="0" blurRad="38100" dist="23000" dir="5400000">
+            <a:outerShdw blurRad="38100" dist="23000" dir="5400000" rotWithShape="0">
               <a:srgbClr val="000000">
                 <a:alpha val="35000"/>
               </a:srgbClr>
@@ -4649,7 +4647,7 @@
         </a:effectStyle>
         <a:effectStyle>
           <a:effectLst>
-            <a:outerShdw sx="100000" sy="100000" kx="0" ky="0" algn="b" rotWithShape="0" blurRad="38100" dist="23000" dir="5400000">
+            <a:outerShdw blurRad="38100" dist="23000" dir="5400000" rotWithShape="0">
               <a:srgbClr val="000000">
                 <a:alpha val="35000"/>
               </a:srgbClr>
@@ -4658,7 +4656,7 @@
         </a:effectStyle>
         <a:effectStyle>
           <a:effectLst>
-            <a:outerShdw sx="100000" sy="100000" kx="0" ky="0" algn="b" rotWithShape="0" blurRad="38100" dist="20000" dir="5400000">
+            <a:outerShdw blurRad="38100" dist="20000" dir="5400000" rotWithShape="0">
               <a:srgbClr val="000000">
                 <a:alpha val="38000"/>
               </a:srgbClr>
@@ -4734,7 +4732,7 @@
           <a:round/>
         </a:ln>
         <a:effectLst>
-          <a:outerShdw sx="100000" sy="100000" kx="0" ky="0" algn="b" rotWithShape="0" blurRad="38100" dist="23000" dir="5400000">
+          <a:outerShdw blurRad="38100" dist="23000" dir="5400000" rotWithShape="0">
             <a:srgbClr val="000000">
               <a:alpha val="35000"/>
             </a:srgbClr>
@@ -4742,7 +4740,7 @@
         </a:effectLst>
         <a:sp3d/>
       </a:spPr>
-      <a:bodyPr rot="0" spcFirstLastPara="1" vertOverflow="overflow" horzOverflow="overflow" vert="horz" wrap="square" lIns="45719" tIns="45719" rIns="45719" bIns="45719" numCol="1" spcCol="38100" rtlCol="0" anchor="ctr" upright="0">
+      <a:bodyPr rot="0" spcFirstLastPara="1" vertOverflow="overflow" horzOverflow="overflow" vert="horz" wrap="square" lIns="45719" tIns="45719" rIns="45719" bIns="45719" numCol="1" spcCol="38100" rtlCol="0" anchor="ctr">
         <a:spAutoFit/>
       </a:bodyPr>
       <a:lstStyle>
@@ -4761,7 +4759,7 @@
           <a:buFontTx/>
           <a:buNone/>
           <a:tabLst/>
-          <a:defRPr b="0" baseline="0" cap="none" i="0" spc="0" strike="noStrike" sz="1400" u="none" kumimoji="0" normalizeH="0">
+          <a:defRPr kumimoji="0" sz="1400" b="0" i="0" u="none" strike="noStrike" cap="none" spc="0" normalizeH="0" baseline="0">
             <a:ln>
               <a:noFill/>
             </a:ln>
@@ -4791,7 +4789,7 @@
           <a:buFontTx/>
           <a:buNone/>
           <a:tabLst/>
-          <a:defRPr b="0" baseline="0" cap="none" i="0" spc="0" strike="noStrike" sz="1800" u="none" kumimoji="0" normalizeH="0">
+          <a:defRPr kumimoji="0" sz="1800" b="0" i="0" u="none" strike="noStrike" cap="none" spc="0" normalizeH="0" baseline="0">
             <a:ln>
               <a:noFill/>
             </a:ln>
@@ -4817,7 +4815,7 @@
           <a:buFontTx/>
           <a:buNone/>
           <a:tabLst/>
-          <a:defRPr b="0" baseline="0" cap="none" i="0" spc="0" strike="noStrike" sz="1800" u="none" kumimoji="0" normalizeH="0">
+          <a:defRPr kumimoji="0" sz="1800" b="0" i="0" u="none" strike="noStrike" cap="none" spc="0" normalizeH="0" baseline="0">
             <a:ln>
               <a:noFill/>
             </a:ln>
@@ -4843,7 +4841,7 @@
           <a:buFontTx/>
           <a:buNone/>
           <a:tabLst/>
-          <a:defRPr b="0" baseline="0" cap="none" i="0" spc="0" strike="noStrike" sz="1800" u="none" kumimoji="0" normalizeH="0">
+          <a:defRPr kumimoji="0" sz="1800" b="0" i="0" u="none" strike="noStrike" cap="none" spc="0" normalizeH="0" baseline="0">
             <a:ln>
               <a:noFill/>
             </a:ln>
@@ -4869,7 +4867,7 @@
           <a:buFontTx/>
           <a:buNone/>
           <a:tabLst/>
-          <a:defRPr b="0" baseline="0" cap="none" i="0" spc="0" strike="noStrike" sz="1800" u="none" kumimoji="0" normalizeH="0">
+          <a:defRPr kumimoji="0" sz="1800" b="0" i="0" u="none" strike="noStrike" cap="none" spc="0" normalizeH="0" baseline="0">
             <a:ln>
               <a:noFill/>
             </a:ln>
@@ -4895,7 +4893,7 @@
           <a:buFontTx/>
           <a:buNone/>
           <a:tabLst/>
-          <a:defRPr b="0" baseline="0" cap="none" i="0" spc="0" strike="noStrike" sz="1800" u="none" kumimoji="0" normalizeH="0">
+          <a:defRPr kumimoji="0" sz="1800" b="0" i="0" u="none" strike="noStrike" cap="none" spc="0" normalizeH="0" baseline="0">
             <a:ln>
               <a:noFill/>
             </a:ln>
@@ -4921,7 +4919,7 @@
           <a:buFontTx/>
           <a:buNone/>
           <a:tabLst/>
-          <a:defRPr b="0" baseline="0" cap="none" i="0" spc="0" strike="noStrike" sz="1800" u="none" kumimoji="0" normalizeH="0">
+          <a:defRPr kumimoji="0" sz="1800" b="0" i="0" u="none" strike="noStrike" cap="none" spc="0" normalizeH="0" baseline="0">
             <a:ln>
               <a:noFill/>
             </a:ln>
@@ -4947,7 +4945,7 @@
           <a:buFontTx/>
           <a:buNone/>
           <a:tabLst/>
-          <a:defRPr b="0" baseline="0" cap="none" i="0" spc="0" strike="noStrike" sz="1800" u="none" kumimoji="0" normalizeH="0">
+          <a:defRPr kumimoji="0" sz="1800" b="0" i="0" u="none" strike="noStrike" cap="none" spc="0" normalizeH="0" baseline="0">
             <a:ln>
               <a:noFill/>
             </a:ln>
@@ -4973,7 +4971,7 @@
           <a:buFontTx/>
           <a:buNone/>
           <a:tabLst/>
-          <a:defRPr b="0" baseline="0" cap="none" i="0" spc="0" strike="noStrike" sz="1800" u="none" kumimoji="0" normalizeH="0">
+          <a:defRPr kumimoji="0" sz="1800" b="0" i="0" u="none" strike="noStrike" cap="none" spc="0" normalizeH="0" baseline="0">
             <a:ln>
               <a:noFill/>
             </a:ln>
@@ -4999,7 +4997,7 @@
           <a:buFontTx/>
           <a:buNone/>
           <a:tabLst/>
-          <a:defRPr b="0" baseline="0" cap="none" i="0" spc="0" strike="noStrike" sz="1800" u="none" kumimoji="0" normalizeH="0">
+          <a:defRPr kumimoji="0" sz="1800" b="0" i="0" u="none" strike="noStrike" cap="none" spc="0" normalizeH="0" baseline="0">
             <a:ln>
               <a:noFill/>
             </a:ln>
@@ -5012,9 +5010,15 @@
         </a:lvl9pPr>
       </a:lstStyle>
       <a:style>
-        <a:lnRef idx="0"/>
-        <a:fillRef idx="0"/>
-        <a:effectRef idx="0"/>
+        <a:lnRef idx="0">
+          <a:scrgbClr r="0" g="0" b="0"/>
+        </a:lnRef>
+        <a:fillRef idx="0">
+          <a:scrgbClr r="0" g="0" b="0"/>
+        </a:fillRef>
+        <a:effectRef idx="0">
+          <a:scrgbClr r="0" g="0" b="0"/>
+        </a:effectRef>
         <a:fontRef idx="none"/>
       </a:style>
     </a:spDef>
@@ -5031,7 +5035,7 @@
           <a:round/>
         </a:ln>
         <a:effectLst>
-          <a:outerShdw sx="100000" sy="100000" kx="0" ky="0" algn="b" rotWithShape="0" blurRad="38100" dist="20000" dir="5400000">
+          <a:outerShdw blurRad="38100" dist="20000" dir="5400000" rotWithShape="0">
             <a:srgbClr val="000000">
               <a:alpha val="38000"/>
             </a:srgbClr>
@@ -5039,7 +5043,7 @@
         </a:effectLst>
         <a:sp3d/>
       </a:spPr>
-      <a:bodyPr rot="0" spcFirstLastPara="1" vertOverflow="overflow" horzOverflow="overflow" vert="horz" wrap="square" lIns="91439" tIns="45719" rIns="91439" bIns="45719" numCol="1" spcCol="38100" rtlCol="0" anchor="t" upright="0">
+      <a:bodyPr rot="0" spcFirstLastPara="1" vertOverflow="overflow" horzOverflow="overflow" vert="horz" wrap="square" lIns="91439" tIns="45719" rIns="91439" bIns="45719" numCol="1" spcCol="38100" rtlCol="0" anchor="t">
         <a:noAutofit/>
       </a:bodyPr>
       <a:lstStyle>
@@ -5058,7 +5062,7 @@
           <a:buFontTx/>
           <a:buNone/>
           <a:tabLst/>
-          <a:defRPr b="0" baseline="0" cap="none" i="0" spc="0" strike="noStrike" sz="1800" u="none" kumimoji="0" normalizeH="0">
+          <a:defRPr kumimoji="0" sz="1800" b="0" i="0" u="none" strike="noStrike" cap="none" spc="0" normalizeH="0" baseline="0">
             <a:ln>
               <a:noFill/>
             </a:ln>
@@ -5084,7 +5088,7 @@
           <a:buFontTx/>
           <a:buNone/>
           <a:tabLst/>
-          <a:defRPr b="0" baseline="0" cap="none" i="0" spc="0" strike="noStrike" sz="1800" u="none" kumimoji="0" normalizeH="0">
+          <a:defRPr kumimoji="0" sz="1800" b="0" i="0" u="none" strike="noStrike" cap="none" spc="0" normalizeH="0" baseline="0">
             <a:ln>
               <a:noFill/>
             </a:ln>
@@ -5110,7 +5114,7 @@
           <a:buFontTx/>
           <a:buNone/>
           <a:tabLst/>
-          <a:defRPr b="0" baseline="0" cap="none" i="0" spc="0" strike="noStrike" sz="1800" u="none" kumimoji="0" normalizeH="0">
+          <a:defRPr kumimoji="0" sz="1800" b="0" i="0" u="none" strike="noStrike" cap="none" spc="0" normalizeH="0" baseline="0">
             <a:ln>
               <a:noFill/>
             </a:ln>
@@ -5136,7 +5140,7 @@
           <a:buFontTx/>
           <a:buNone/>
           <a:tabLst/>
-          <a:defRPr b="0" baseline="0" cap="none" i="0" spc="0" strike="noStrike" sz="1800" u="none" kumimoji="0" normalizeH="0">
+          <a:defRPr kumimoji="0" sz="1800" b="0" i="0" u="none" strike="noStrike" cap="none" spc="0" normalizeH="0" baseline="0">
             <a:ln>
               <a:noFill/>
             </a:ln>
@@ -5162,7 +5166,7 @@
           <a:buFontTx/>
           <a:buNone/>
           <a:tabLst/>
-          <a:defRPr b="0" baseline="0" cap="none" i="0" spc="0" strike="noStrike" sz="1800" u="none" kumimoji="0" normalizeH="0">
+          <a:defRPr kumimoji="0" sz="1800" b="0" i="0" u="none" strike="noStrike" cap="none" spc="0" normalizeH="0" baseline="0">
             <a:ln>
               <a:noFill/>
             </a:ln>
@@ -5188,7 +5192,7 @@
           <a:buFontTx/>
           <a:buNone/>
           <a:tabLst/>
-          <a:defRPr b="0" baseline="0" cap="none" i="0" spc="0" strike="noStrike" sz="1800" u="none" kumimoji="0" normalizeH="0">
+          <a:defRPr kumimoji="0" sz="1800" b="0" i="0" u="none" strike="noStrike" cap="none" spc="0" normalizeH="0" baseline="0">
             <a:ln>
               <a:noFill/>
             </a:ln>
@@ -5214,7 +5218,7 @@
           <a:buFontTx/>
           <a:buNone/>
           <a:tabLst/>
-          <a:defRPr b="0" baseline="0" cap="none" i="0" spc="0" strike="noStrike" sz="1800" u="none" kumimoji="0" normalizeH="0">
+          <a:defRPr kumimoji="0" sz="1800" b="0" i="0" u="none" strike="noStrike" cap="none" spc="0" normalizeH="0" baseline="0">
             <a:ln>
               <a:noFill/>
             </a:ln>
@@ -5240,7 +5244,7 @@
           <a:buFontTx/>
           <a:buNone/>
           <a:tabLst/>
-          <a:defRPr b="0" baseline="0" cap="none" i="0" spc="0" strike="noStrike" sz="1800" u="none" kumimoji="0" normalizeH="0">
+          <a:defRPr kumimoji="0" sz="1800" b="0" i="0" u="none" strike="noStrike" cap="none" spc="0" normalizeH="0" baseline="0">
             <a:ln>
               <a:noFill/>
             </a:ln>
@@ -5266,7 +5270,7 @@
           <a:buFontTx/>
           <a:buNone/>
           <a:tabLst/>
-          <a:defRPr b="0" baseline="0" cap="none" i="0" spc="0" strike="noStrike" sz="1800" u="none" kumimoji="0" normalizeH="0">
+          <a:defRPr kumimoji="0" sz="1800" b="0" i="0" u="none" strike="noStrike" cap="none" spc="0" normalizeH="0" baseline="0">
             <a:ln>
               <a:noFill/>
             </a:ln>
@@ -5292,7 +5296,7 @@
           <a:buFontTx/>
           <a:buNone/>
           <a:tabLst/>
-          <a:defRPr b="0" baseline="0" cap="none" i="0" spc="0" strike="noStrike" sz="1800" u="none" kumimoji="0" normalizeH="0">
+          <a:defRPr kumimoji="0" sz="1800" b="0" i="0" u="none" strike="noStrike" cap="none" spc="0" normalizeH="0" baseline="0">
             <a:ln>
               <a:noFill/>
             </a:ln>
@@ -5305,9 +5309,15 @@
         </a:lvl9pPr>
       </a:lstStyle>
       <a:style>
-        <a:lnRef idx="0"/>
-        <a:fillRef idx="0"/>
-        <a:effectRef idx="0"/>
+        <a:lnRef idx="0">
+          <a:scrgbClr r="0" g="0" b="0"/>
+        </a:lnRef>
+        <a:fillRef idx="0">
+          <a:scrgbClr r="0" g="0" b="0"/>
+        </a:fillRef>
+        <a:effectRef idx="0">
+          <a:scrgbClr r="0" g="0" b="0"/>
+        </a:effectRef>
         <a:fontRef idx="none"/>
       </a:style>
     </a:lnDef>
@@ -5321,7 +5331,7 @@
         <a:effectLst/>
         <a:sp3d/>
       </a:spPr>
-      <a:bodyPr rot="0" spcFirstLastPara="1" vertOverflow="overflow" horzOverflow="overflow" vert="horz" wrap="square" lIns="45719" tIns="45719" rIns="45719" bIns="45719" numCol="1" spcCol="38100" rtlCol="0" anchor="t" upright="0">
+      <a:bodyPr rot="0" spcFirstLastPara="1" vertOverflow="overflow" horzOverflow="overflow" vert="horz" wrap="square" lIns="45719" tIns="45719" rIns="45719" bIns="45719" numCol="1" spcCol="38100" rtlCol="0" anchor="t">
         <a:spAutoFit/>
       </a:bodyPr>
       <a:lstStyle>
@@ -5340,7 +5350,7 @@
           <a:buFontTx/>
           <a:buNone/>
           <a:tabLst/>
-          <a:defRPr b="0" baseline="0" cap="none" i="0" spc="0" strike="noStrike" sz="1400" u="none" kumimoji="0" normalizeH="0">
+          <a:defRPr kumimoji="0" sz="1400" b="0" i="0" u="none" strike="noStrike" cap="none" spc="0" normalizeH="0" baseline="0">
             <a:ln>
               <a:noFill/>
             </a:ln>
@@ -5370,7 +5380,7 @@
           <a:buFontTx/>
           <a:buNone/>
           <a:tabLst/>
-          <a:defRPr b="0" baseline="0" cap="none" i="0" spc="0" strike="noStrike" sz="1800" u="none" kumimoji="0" normalizeH="0">
+          <a:defRPr kumimoji="0" sz="1800" b="0" i="0" u="none" strike="noStrike" cap="none" spc="0" normalizeH="0" baseline="0">
             <a:ln>
               <a:noFill/>
             </a:ln>
@@ -5396,7 +5406,7 @@
           <a:buFontTx/>
           <a:buNone/>
           <a:tabLst/>
-          <a:defRPr b="0" baseline="0" cap="none" i="0" spc="0" strike="noStrike" sz="1800" u="none" kumimoji="0" normalizeH="0">
+          <a:defRPr kumimoji="0" sz="1800" b="0" i="0" u="none" strike="noStrike" cap="none" spc="0" normalizeH="0" baseline="0">
             <a:ln>
               <a:noFill/>
             </a:ln>
@@ -5422,7 +5432,7 @@
           <a:buFontTx/>
           <a:buNone/>
           <a:tabLst/>
-          <a:defRPr b="0" baseline="0" cap="none" i="0" spc="0" strike="noStrike" sz="1800" u="none" kumimoji="0" normalizeH="0">
+          <a:defRPr kumimoji="0" sz="1800" b="0" i="0" u="none" strike="noStrike" cap="none" spc="0" normalizeH="0" baseline="0">
             <a:ln>
               <a:noFill/>
             </a:ln>
@@ -5448,7 +5458,7 @@
           <a:buFontTx/>
           <a:buNone/>
           <a:tabLst/>
-          <a:defRPr b="0" baseline="0" cap="none" i="0" spc="0" strike="noStrike" sz="1800" u="none" kumimoji="0" normalizeH="0">
+          <a:defRPr kumimoji="0" sz="1800" b="0" i="0" u="none" strike="noStrike" cap="none" spc="0" normalizeH="0" baseline="0">
             <a:ln>
               <a:noFill/>
             </a:ln>
@@ -5474,7 +5484,7 @@
           <a:buFontTx/>
           <a:buNone/>
           <a:tabLst/>
-          <a:defRPr b="0" baseline="0" cap="none" i="0" spc="0" strike="noStrike" sz="1800" u="none" kumimoji="0" normalizeH="0">
+          <a:defRPr kumimoji="0" sz="1800" b="0" i="0" u="none" strike="noStrike" cap="none" spc="0" normalizeH="0" baseline="0">
             <a:ln>
               <a:noFill/>
             </a:ln>
@@ -5500,7 +5510,7 @@
           <a:buFontTx/>
           <a:buNone/>
           <a:tabLst/>
-          <a:defRPr b="0" baseline="0" cap="none" i="0" spc="0" strike="noStrike" sz="1800" u="none" kumimoji="0" normalizeH="0">
+          <a:defRPr kumimoji="0" sz="1800" b="0" i="0" u="none" strike="noStrike" cap="none" spc="0" normalizeH="0" baseline="0">
             <a:ln>
               <a:noFill/>
             </a:ln>
@@ -5526,7 +5536,7 @@
           <a:buFontTx/>
           <a:buNone/>
           <a:tabLst/>
-          <a:defRPr b="0" baseline="0" cap="none" i="0" spc="0" strike="noStrike" sz="1800" u="none" kumimoji="0" normalizeH="0">
+          <a:defRPr kumimoji="0" sz="1800" b="0" i="0" u="none" strike="noStrike" cap="none" spc="0" normalizeH="0" baseline="0">
             <a:ln>
               <a:noFill/>
             </a:ln>
@@ -5552,7 +5562,7 @@
           <a:buFontTx/>
           <a:buNone/>
           <a:tabLst/>
-          <a:defRPr b="0" baseline="0" cap="none" i="0" spc="0" strike="noStrike" sz="1800" u="none" kumimoji="0" normalizeH="0">
+          <a:defRPr kumimoji="0" sz="1800" b="0" i="0" u="none" strike="noStrike" cap="none" spc="0" normalizeH="0" baseline="0">
             <a:ln>
               <a:noFill/>
             </a:ln>
@@ -5578,7 +5588,7 @@
           <a:buFontTx/>
           <a:buNone/>
           <a:tabLst/>
-          <a:defRPr b="0" baseline="0" cap="none" i="0" spc="0" strike="noStrike" sz="1800" u="none" kumimoji="0" normalizeH="0">
+          <a:defRPr kumimoji="0" sz="1800" b="0" i="0" u="none" strike="noStrike" cap="none" spc="0" normalizeH="0" baseline="0">
             <a:ln>
               <a:noFill/>
             </a:ln>
@@ -5591,12 +5601,19 @@
         </a:lvl9pPr>
       </a:lstStyle>
       <a:style>
-        <a:lnRef idx="0"/>
-        <a:fillRef idx="0"/>
-        <a:effectRef idx="0"/>
+        <a:lnRef idx="0">
+          <a:scrgbClr r="0" g="0" b="0"/>
+        </a:lnRef>
+        <a:fillRef idx="0">
+          <a:scrgbClr r="0" g="0" b="0"/>
+        </a:fillRef>
+        <a:effectRef idx="0">
+          <a:scrgbClr r="0" g="0" b="0"/>
+        </a:effectRef>
         <a:fontRef idx="none"/>
       </a:style>
     </a:txDef>
   </a:objectDefaults>
+  <a:extraClrSchemeLst/>
 </a:theme>
 </file>